--- a/MONEY MANAGER.pptx
+++ b/MONEY MANAGER.pptx
@@ -7,10 +7,23 @@
   <p:sldIdLst>
     <p:sldId id="256" r:id="rId2"/>
     <p:sldId id="257" r:id="rId3"/>
-    <p:sldId id="258" r:id="rId4"/>
-    <p:sldId id="259" r:id="rId5"/>
+    <p:sldId id="266" r:id="rId4"/>
+    <p:sldId id="258" r:id="rId5"/>
     <p:sldId id="261" r:id="rId6"/>
     <p:sldId id="260" r:id="rId7"/>
+    <p:sldId id="262" r:id="rId8"/>
+    <p:sldId id="263" r:id="rId9"/>
+    <p:sldId id="264" r:id="rId10"/>
+    <p:sldId id="259" r:id="rId11"/>
+    <p:sldId id="265" r:id="rId12"/>
+    <p:sldId id="268" r:id="rId13"/>
+    <p:sldId id="269" r:id="rId14"/>
+    <p:sldId id="267" r:id="rId15"/>
+    <p:sldId id="270" r:id="rId16"/>
+    <p:sldId id="271" r:id="rId17"/>
+    <p:sldId id="272" r:id="rId18"/>
+    <p:sldId id="273" r:id="rId19"/>
+    <p:sldId id="274" r:id="rId20"/>
   </p:sldIdLst>
   <p:sldSz cx="12192000" cy="6858000"/>
   <p:notesSz cx="6858000" cy="9144000"/>
@@ -3509,182 +3522,7 @@
 </p:sld>
 </file>
 
-<file path=ppt/slides/slide2.xml><?xml version="1.0" encoding="utf-8"?>
-<p:sld xmlns:a="http://schemas.openxmlformats.org/drawingml/2006/main" xmlns:r="http://schemas.openxmlformats.org/officeDocument/2006/relationships" xmlns:p="http://schemas.openxmlformats.org/presentationml/2006/main">
-  <p:cSld>
-    <p:spTree>
-      <p:nvGrpSpPr>
-        <p:cNvPr id="1" name=""/>
-        <p:cNvGrpSpPr/>
-        <p:nvPr/>
-      </p:nvGrpSpPr>
-      <p:grpSpPr>
-        <a:xfrm>
-          <a:off x="0" y="0"/>
-          <a:ext cx="0" cy="0"/>
-          <a:chOff x="0" y="0"/>
-          <a:chExt cx="0" cy="0"/>
-        </a:xfrm>
-      </p:grpSpPr>
-      <p:sp>
-        <p:nvSpPr>
-          <p:cNvPr id="2" name="Título 1">
-            <a:extLst>
-              <a:ext uri="{FF2B5EF4-FFF2-40B4-BE49-F238E27FC236}">
-                <a16:creationId xmlns:a16="http://schemas.microsoft.com/office/drawing/2014/main" id="{F4569FDF-7424-4B9C-9C72-E3FF9CAD9D52}"/>
-              </a:ext>
-            </a:extLst>
-          </p:cNvPr>
-          <p:cNvSpPr>
-            <a:spLocks noGrp="1"/>
-          </p:cNvSpPr>
-          <p:nvPr>
-            <p:ph type="title"/>
-          </p:nvPr>
-        </p:nvSpPr>
-        <p:spPr/>
-        <p:txBody>
-          <a:bodyPr/>
-          <a:lstStyle/>
-          <a:p>
-            <a:r>
-              <a:rPr lang="es-ES" b="1" dirty="0">
-                <a:latin typeface="+mn-lt"/>
-              </a:rPr>
-              <a:t>Money Manager</a:t>
-            </a:r>
-          </a:p>
-        </p:txBody>
-      </p:sp>
-      <p:sp>
-        <p:nvSpPr>
-          <p:cNvPr id="3" name="Marcador de contenido 2">
-            <a:extLst>
-              <a:ext uri="{FF2B5EF4-FFF2-40B4-BE49-F238E27FC236}">
-                <a16:creationId xmlns:a16="http://schemas.microsoft.com/office/drawing/2014/main" id="{35E2DBD1-03F7-4F9D-BAF2-416EEE4700CB}"/>
-              </a:ext>
-            </a:extLst>
-          </p:cNvPr>
-          <p:cNvSpPr>
-            <a:spLocks noGrp="1"/>
-          </p:cNvSpPr>
-          <p:nvPr>
-            <p:ph idx="1"/>
-          </p:nvPr>
-        </p:nvSpPr>
-        <p:spPr>
-          <a:xfrm>
-            <a:off x="510653" y="1825624"/>
-            <a:ext cx="11061753" cy="3435923"/>
-          </a:xfrm>
-        </p:spPr>
-        <p:txBody>
-          <a:bodyPr>
-            <a:normAutofit/>
-          </a:bodyPr>
-          <a:lstStyle/>
-          <a:p>
-            <a:pPr marL="0" indent="0" algn="just">
-              <a:buNone/>
-            </a:pPr>
-            <a:r>
-              <a:rPr lang="es-ES" dirty="0"/>
-              <a:t>El sistema que hemos desarrollado es una aplicación que permite a los usuarios administrar sus ahorros. Proporcionará un historial de gastos e ingresos para que el usuario pueda tomar decisiones en torno a ello, existiendo la posibilidad de crear planes personalizados a los que dedicar algún porcentaje de sus ingresos con el objetivo de poder “darse un capricho” de la forma más eficiente.</a:t>
-            </a:r>
-          </a:p>
-          <a:p>
-            <a:pPr marL="0" indent="0" algn="just">
-              <a:buNone/>
-            </a:pPr>
-            <a:endParaRPr lang="es-ES" dirty="0"/>
-          </a:p>
-        </p:txBody>
-      </p:sp>
-      <p:pic>
-        <p:nvPicPr>
-          <p:cNvPr id="5" name="Imagen 4">
-            <a:extLst>
-              <a:ext uri="{FF2B5EF4-FFF2-40B4-BE49-F238E27FC236}">
-                <a16:creationId xmlns:a16="http://schemas.microsoft.com/office/drawing/2014/main" id="{941265E5-8DDB-403D-B98E-C4676910ADD3}"/>
-              </a:ext>
-            </a:extLst>
-          </p:cNvPr>
-          <p:cNvPicPr>
-            <a:picLocks noChangeAspect="1"/>
-          </p:cNvPicPr>
-          <p:nvPr/>
-        </p:nvPicPr>
-        <p:blipFill>
-          <a:blip r:embed="rId2">
-            <a:extLst>
-              <a:ext uri="{28A0092B-C50C-407E-A947-70E740481C1C}">
-                <a14:useLocalDpi xmlns:a14="http://schemas.microsoft.com/office/drawing/2010/main" val="0"/>
-              </a:ext>
-            </a:extLst>
-          </a:blip>
-          <a:stretch>
-            <a:fillRect/>
-          </a:stretch>
-        </p:blipFill>
-        <p:spPr>
-          <a:xfrm>
-            <a:off x="5923310" y="3972393"/>
-            <a:ext cx="5758035" cy="2520482"/>
-          </a:xfrm>
-          <a:prstGeom prst="rect">
-            <a:avLst/>
-          </a:prstGeom>
-        </p:spPr>
-      </p:pic>
-      <p:sp>
-        <p:nvSpPr>
-          <p:cNvPr id="6" name="Rectángulo 5">
-            <a:extLst>
-              <a:ext uri="{FF2B5EF4-FFF2-40B4-BE49-F238E27FC236}">
-                <a16:creationId xmlns:a16="http://schemas.microsoft.com/office/drawing/2014/main" id="{58AACF27-82AF-484A-84F1-53C5C19B7F49}"/>
-              </a:ext>
-            </a:extLst>
-          </p:cNvPr>
-          <p:cNvSpPr/>
-          <p:nvPr/>
-        </p:nvSpPr>
-        <p:spPr>
-          <a:xfrm>
-            <a:off x="510653" y="4569049"/>
-            <a:ext cx="5303718" cy="1384995"/>
-          </a:xfrm>
-          <a:prstGeom prst="rect">
-            <a:avLst/>
-          </a:prstGeom>
-        </p:spPr>
-        <p:txBody>
-          <a:bodyPr wrap="square">
-            <a:spAutoFit/>
-          </a:bodyPr>
-          <a:lstStyle/>
-          <a:p>
-            <a:pPr algn="just"/>
-            <a:r>
-              <a:rPr lang="es-ES" sz="2800" dirty="0"/>
-              <a:t>La aplicación está pensada para usarse tanto en formato web como en dispositivos móviles.</a:t>
-            </a:r>
-          </a:p>
-        </p:txBody>
-      </p:sp>
-    </p:spTree>
-    <p:extLst>
-      <p:ext uri="{BB962C8B-B14F-4D97-AF65-F5344CB8AC3E}">
-        <p14:creationId xmlns:p14="http://schemas.microsoft.com/office/powerpoint/2010/main" val="2164010618"/>
-      </p:ext>
-    </p:extLst>
-  </p:cSld>
-  <p:clrMapOvr>
-    <a:masterClrMapping/>
-  </p:clrMapOvr>
-</p:sld>
-</file>
-
-<file path=ppt/slides/slide3.xml><?xml version="1.0" encoding="utf-8"?>
+<file path=ppt/slides/slide10.xml><?xml version="1.0" encoding="utf-8"?>
 <p:sld xmlns:a="http://schemas.openxmlformats.org/drawingml/2006/main" xmlns:r="http://schemas.openxmlformats.org/officeDocument/2006/relationships" xmlns:p="http://schemas.openxmlformats.org/presentationml/2006/main">
   <p:cSld>
     <p:bg>
@@ -3741,17 +3579,17 @@
               <a:rPr lang="es-ES" b="1" dirty="0">
                 <a:latin typeface="+mn-lt"/>
               </a:rPr>
-              <a:t>Planificación (I)</a:t>
+              <a:t>Planificación (III)</a:t>
             </a:r>
           </a:p>
         </p:txBody>
       </p:sp>
       <p:pic>
         <p:nvPicPr>
-          <p:cNvPr id="7" name="Marcador de contenido 6">
-            <a:extLst>
-              <a:ext uri="{FF2B5EF4-FFF2-40B4-BE49-F238E27FC236}">
-                <a16:creationId xmlns:a16="http://schemas.microsoft.com/office/drawing/2014/main" id="{C0006B0F-CE8D-424E-A598-09C88920CE29}"/>
+          <p:cNvPr id="6" name="Marcador de contenido 5">
+            <a:extLst>
+              <a:ext uri="{FF2B5EF4-FFF2-40B4-BE49-F238E27FC236}">
+                <a16:creationId xmlns:a16="http://schemas.microsoft.com/office/drawing/2014/main" id="{82A25739-EB9E-4BD0-B7D5-E992F5900C6E}"/>
               </a:ext>
             </a:extLst>
           </p:cNvPr>
@@ -3776,15 +3614,1130 @@
         </p:blipFill>
         <p:spPr>
           <a:xfrm>
-            <a:off x="133500" y="1690688"/>
-            <a:ext cx="11925000" cy="4500000"/>
+            <a:off x="193732" y="1690688"/>
+            <a:ext cx="11804535" cy="4536000"/>
           </a:xfrm>
         </p:spPr>
       </p:pic>
     </p:spTree>
     <p:extLst>
       <p:ext uri="{BB962C8B-B14F-4D97-AF65-F5344CB8AC3E}">
-        <p14:creationId xmlns:p14="http://schemas.microsoft.com/office/powerpoint/2010/main" val="1067303770"/>
+        <p14:creationId xmlns:p14="http://schemas.microsoft.com/office/powerpoint/2010/main" val="2243623959"/>
+      </p:ext>
+    </p:extLst>
+  </p:cSld>
+  <p:clrMapOvr>
+    <a:masterClrMapping/>
+  </p:clrMapOvr>
+</p:sld>
+</file>
+
+<file path=ppt/slides/slide11.xml><?xml version="1.0" encoding="utf-8"?>
+<p:sld xmlns:a="http://schemas.openxmlformats.org/drawingml/2006/main" xmlns:r="http://schemas.openxmlformats.org/officeDocument/2006/relationships" xmlns:p="http://schemas.openxmlformats.org/presentationml/2006/main">
+  <p:cSld>
+    <p:spTree>
+      <p:nvGrpSpPr>
+        <p:cNvPr id="1" name=""/>
+        <p:cNvGrpSpPr/>
+        <p:nvPr/>
+      </p:nvGrpSpPr>
+      <p:grpSpPr>
+        <a:xfrm>
+          <a:off x="0" y="0"/>
+          <a:ext cx="0" cy="0"/>
+          <a:chOff x="0" y="0"/>
+          <a:chExt cx="0" cy="0"/>
+        </a:xfrm>
+      </p:grpSpPr>
+      <p:sp>
+        <p:nvSpPr>
+          <p:cNvPr id="2" name="Título 1">
+            <a:extLst>
+              <a:ext uri="{FF2B5EF4-FFF2-40B4-BE49-F238E27FC236}">
+                <a16:creationId xmlns:a16="http://schemas.microsoft.com/office/drawing/2014/main" id="{3AE96B8A-9606-4E14-95A0-CED02AE59E21}"/>
+              </a:ext>
+            </a:extLst>
+          </p:cNvPr>
+          <p:cNvSpPr>
+            <a:spLocks noGrp="1"/>
+          </p:cNvSpPr>
+          <p:nvPr>
+            <p:ph type="title"/>
+          </p:nvPr>
+        </p:nvSpPr>
+        <p:spPr/>
+        <p:txBody>
+          <a:bodyPr/>
+          <a:lstStyle/>
+          <a:p>
+            <a:r>
+              <a:rPr lang="es-ES" b="1" dirty="0">
+                <a:latin typeface="+mn-lt"/>
+              </a:rPr>
+              <a:t>Diagrama de casos de uso</a:t>
+            </a:r>
+          </a:p>
+        </p:txBody>
+      </p:sp>
+      <p:pic>
+        <p:nvPicPr>
+          <p:cNvPr id="5" name="Marcador de contenido 4">
+            <a:extLst>
+              <a:ext uri="{FF2B5EF4-FFF2-40B4-BE49-F238E27FC236}">
+                <a16:creationId xmlns:a16="http://schemas.microsoft.com/office/drawing/2014/main" id="{896BF6D7-DBEA-4CD5-8804-A6B116448E68}"/>
+              </a:ext>
+            </a:extLst>
+          </p:cNvPr>
+          <p:cNvPicPr>
+            <a:picLocks noGrp="1" noChangeAspect="1"/>
+          </p:cNvPicPr>
+          <p:nvPr>
+            <p:ph idx="1"/>
+          </p:nvPr>
+        </p:nvPicPr>
+        <p:blipFill>
+          <a:blip r:embed="rId2">
+            <a:extLst>
+              <a:ext uri="{28A0092B-C50C-407E-A947-70E740481C1C}">
+                <a14:useLocalDpi xmlns:a14="http://schemas.microsoft.com/office/drawing/2010/main" val="0"/>
+              </a:ext>
+            </a:extLst>
+          </a:blip>
+          <a:stretch>
+            <a:fillRect/>
+          </a:stretch>
+        </p:blipFill>
+        <p:spPr>
+          <a:xfrm>
+            <a:off x="1524585" y="1690688"/>
+            <a:ext cx="9142829" cy="4968679"/>
+          </a:xfrm>
+        </p:spPr>
+      </p:pic>
+    </p:spTree>
+    <p:extLst>
+      <p:ext uri="{BB962C8B-B14F-4D97-AF65-F5344CB8AC3E}">
+        <p14:creationId xmlns:p14="http://schemas.microsoft.com/office/powerpoint/2010/main" val="346600416"/>
+      </p:ext>
+    </p:extLst>
+  </p:cSld>
+  <p:clrMapOvr>
+    <a:masterClrMapping/>
+  </p:clrMapOvr>
+</p:sld>
+</file>
+
+<file path=ppt/slides/slide12.xml><?xml version="1.0" encoding="utf-8"?>
+<p:sld xmlns:a="http://schemas.openxmlformats.org/drawingml/2006/main" xmlns:r="http://schemas.openxmlformats.org/officeDocument/2006/relationships" xmlns:p="http://schemas.openxmlformats.org/presentationml/2006/main">
+  <p:cSld>
+    <p:spTree>
+      <p:nvGrpSpPr>
+        <p:cNvPr id="1" name=""/>
+        <p:cNvGrpSpPr/>
+        <p:nvPr/>
+      </p:nvGrpSpPr>
+      <p:grpSpPr>
+        <a:xfrm>
+          <a:off x="0" y="0"/>
+          <a:ext cx="0" cy="0"/>
+          <a:chOff x="0" y="0"/>
+          <a:chExt cx="0" cy="0"/>
+        </a:xfrm>
+      </p:grpSpPr>
+      <p:sp>
+        <p:nvSpPr>
+          <p:cNvPr id="2" name="Título 1">
+            <a:extLst>
+              <a:ext uri="{FF2B5EF4-FFF2-40B4-BE49-F238E27FC236}">
+                <a16:creationId xmlns:a16="http://schemas.microsoft.com/office/drawing/2014/main" id="{58547D21-4EAB-46A3-823A-96A5A9AF30E8}"/>
+              </a:ext>
+            </a:extLst>
+          </p:cNvPr>
+          <p:cNvSpPr>
+            <a:spLocks noGrp="1"/>
+          </p:cNvSpPr>
+          <p:nvPr>
+            <p:ph type="title"/>
+          </p:nvPr>
+        </p:nvSpPr>
+        <p:spPr/>
+        <p:txBody>
+          <a:bodyPr/>
+          <a:lstStyle/>
+          <a:p>
+            <a:r>
+              <a:rPr lang="es-ES" b="1" dirty="0">
+                <a:latin typeface="+mn-lt"/>
+              </a:rPr>
+              <a:t>Diagramas de secuencia (I)</a:t>
+            </a:r>
+          </a:p>
+        </p:txBody>
+      </p:sp>
+      <p:pic>
+        <p:nvPicPr>
+          <p:cNvPr id="5" name="Marcador de contenido 4">
+            <a:extLst>
+              <a:ext uri="{FF2B5EF4-FFF2-40B4-BE49-F238E27FC236}">
+                <a16:creationId xmlns:a16="http://schemas.microsoft.com/office/drawing/2014/main" id="{A02899DF-74EF-4198-9979-3D5C1B206C25}"/>
+              </a:ext>
+            </a:extLst>
+          </p:cNvPr>
+          <p:cNvPicPr>
+            <a:picLocks noGrp="1" noChangeAspect="1"/>
+          </p:cNvPicPr>
+          <p:nvPr>
+            <p:ph idx="1"/>
+          </p:nvPr>
+        </p:nvPicPr>
+        <p:blipFill>
+          <a:blip r:embed="rId2">
+            <a:extLst>
+              <a:ext uri="{28A0092B-C50C-407E-A947-70E740481C1C}">
+                <a14:useLocalDpi xmlns:a14="http://schemas.microsoft.com/office/drawing/2010/main" val="0"/>
+              </a:ext>
+            </a:extLst>
+          </a:blip>
+          <a:stretch>
+            <a:fillRect/>
+          </a:stretch>
+        </p:blipFill>
+        <p:spPr>
+          <a:xfrm>
+            <a:off x="1739140" y="1690688"/>
+            <a:ext cx="8713719" cy="4899075"/>
+          </a:xfrm>
+        </p:spPr>
+      </p:pic>
+    </p:spTree>
+    <p:extLst>
+      <p:ext uri="{BB962C8B-B14F-4D97-AF65-F5344CB8AC3E}">
+        <p14:creationId xmlns:p14="http://schemas.microsoft.com/office/powerpoint/2010/main" val="3497985827"/>
+      </p:ext>
+    </p:extLst>
+  </p:cSld>
+  <p:clrMapOvr>
+    <a:masterClrMapping/>
+  </p:clrMapOvr>
+</p:sld>
+</file>
+
+<file path=ppt/slides/slide13.xml><?xml version="1.0" encoding="utf-8"?>
+<p:sld xmlns:a="http://schemas.openxmlformats.org/drawingml/2006/main" xmlns:r="http://schemas.openxmlformats.org/officeDocument/2006/relationships" xmlns:p="http://schemas.openxmlformats.org/presentationml/2006/main">
+  <p:cSld>
+    <p:spTree>
+      <p:nvGrpSpPr>
+        <p:cNvPr id="1" name=""/>
+        <p:cNvGrpSpPr/>
+        <p:nvPr/>
+      </p:nvGrpSpPr>
+      <p:grpSpPr>
+        <a:xfrm>
+          <a:off x="0" y="0"/>
+          <a:ext cx="0" cy="0"/>
+          <a:chOff x="0" y="0"/>
+          <a:chExt cx="0" cy="0"/>
+        </a:xfrm>
+      </p:grpSpPr>
+      <p:sp>
+        <p:nvSpPr>
+          <p:cNvPr id="2" name="Título 1">
+            <a:extLst>
+              <a:ext uri="{FF2B5EF4-FFF2-40B4-BE49-F238E27FC236}">
+                <a16:creationId xmlns:a16="http://schemas.microsoft.com/office/drawing/2014/main" id="{58547D21-4EAB-46A3-823A-96A5A9AF30E8}"/>
+              </a:ext>
+            </a:extLst>
+          </p:cNvPr>
+          <p:cNvSpPr>
+            <a:spLocks noGrp="1"/>
+          </p:cNvSpPr>
+          <p:nvPr>
+            <p:ph type="title"/>
+          </p:nvPr>
+        </p:nvSpPr>
+        <p:spPr/>
+        <p:txBody>
+          <a:bodyPr/>
+          <a:lstStyle/>
+          <a:p>
+            <a:r>
+              <a:rPr lang="es-ES" b="1" dirty="0">
+                <a:latin typeface="+mn-lt"/>
+              </a:rPr>
+              <a:t>Diagramas de secuencia (II)</a:t>
+            </a:r>
+          </a:p>
+        </p:txBody>
+      </p:sp>
+      <p:pic>
+        <p:nvPicPr>
+          <p:cNvPr id="5" name="Marcador de contenido 4">
+            <a:extLst>
+              <a:ext uri="{FF2B5EF4-FFF2-40B4-BE49-F238E27FC236}">
+                <a16:creationId xmlns:a16="http://schemas.microsoft.com/office/drawing/2014/main" id="{A02899DF-74EF-4198-9979-3D5C1B206C25}"/>
+              </a:ext>
+            </a:extLst>
+          </p:cNvPr>
+          <p:cNvPicPr>
+            <a:picLocks noGrp="1" noChangeAspect="1"/>
+          </p:cNvPicPr>
+          <p:nvPr>
+            <p:ph idx="1"/>
+          </p:nvPr>
+        </p:nvPicPr>
+        <p:blipFill>
+          <a:blip r:embed="rId2">
+            <a:extLst>
+              <a:ext uri="{28A0092B-C50C-407E-A947-70E740481C1C}">
+                <a14:useLocalDpi xmlns:a14="http://schemas.microsoft.com/office/drawing/2010/main" val="0"/>
+              </a:ext>
+            </a:extLst>
+          </a:blip>
+          <a:stretch>
+            <a:fillRect/>
+          </a:stretch>
+        </p:blipFill>
+        <p:spPr>
+          <a:xfrm>
+            <a:off x="1739140" y="1690688"/>
+            <a:ext cx="8713719" cy="4899074"/>
+          </a:xfrm>
+        </p:spPr>
+      </p:pic>
+    </p:spTree>
+    <p:extLst>
+      <p:ext uri="{BB962C8B-B14F-4D97-AF65-F5344CB8AC3E}">
+        <p14:creationId xmlns:p14="http://schemas.microsoft.com/office/powerpoint/2010/main" val="356858221"/>
+      </p:ext>
+    </p:extLst>
+  </p:cSld>
+  <p:clrMapOvr>
+    <a:masterClrMapping/>
+  </p:clrMapOvr>
+</p:sld>
+</file>
+
+<file path=ppt/slides/slide14.xml><?xml version="1.0" encoding="utf-8"?>
+<p:sld xmlns:a="http://schemas.openxmlformats.org/drawingml/2006/main" xmlns:r="http://schemas.openxmlformats.org/officeDocument/2006/relationships" xmlns:p="http://schemas.openxmlformats.org/presentationml/2006/main">
+  <p:cSld>
+    <p:spTree>
+      <p:nvGrpSpPr>
+        <p:cNvPr id="1" name=""/>
+        <p:cNvGrpSpPr/>
+        <p:nvPr/>
+      </p:nvGrpSpPr>
+      <p:grpSpPr>
+        <a:xfrm>
+          <a:off x="0" y="0"/>
+          <a:ext cx="0" cy="0"/>
+          <a:chOff x="0" y="0"/>
+          <a:chExt cx="0" cy="0"/>
+        </a:xfrm>
+      </p:grpSpPr>
+      <p:sp>
+        <p:nvSpPr>
+          <p:cNvPr id="2" name="Título 1">
+            <a:extLst>
+              <a:ext uri="{FF2B5EF4-FFF2-40B4-BE49-F238E27FC236}">
+                <a16:creationId xmlns:a16="http://schemas.microsoft.com/office/drawing/2014/main" id="{3AE96B8A-9606-4E14-95A0-CED02AE59E21}"/>
+              </a:ext>
+            </a:extLst>
+          </p:cNvPr>
+          <p:cNvSpPr>
+            <a:spLocks noGrp="1"/>
+          </p:cNvSpPr>
+          <p:nvPr>
+            <p:ph type="title"/>
+          </p:nvPr>
+        </p:nvSpPr>
+        <p:spPr/>
+        <p:txBody>
+          <a:bodyPr/>
+          <a:lstStyle/>
+          <a:p>
+            <a:r>
+              <a:rPr lang="es-ES" b="1" dirty="0">
+                <a:latin typeface="+mn-lt"/>
+              </a:rPr>
+              <a:t>Diagrama de clases</a:t>
+            </a:r>
+          </a:p>
+        </p:txBody>
+      </p:sp>
+      <p:pic>
+        <p:nvPicPr>
+          <p:cNvPr id="5" name="Marcador de contenido 4">
+            <a:extLst>
+              <a:ext uri="{FF2B5EF4-FFF2-40B4-BE49-F238E27FC236}">
+                <a16:creationId xmlns:a16="http://schemas.microsoft.com/office/drawing/2014/main" id="{69F27802-5C9A-4CE0-A848-02664DCAB693}"/>
+              </a:ext>
+            </a:extLst>
+          </p:cNvPr>
+          <p:cNvPicPr>
+            <a:picLocks noGrp="1" noChangeAspect="1"/>
+          </p:cNvPicPr>
+          <p:nvPr>
+            <p:ph idx="1"/>
+          </p:nvPr>
+        </p:nvPicPr>
+        <p:blipFill>
+          <a:blip r:embed="rId2">
+            <a:extLst>
+              <a:ext uri="{28A0092B-C50C-407E-A947-70E740481C1C}">
+                <a14:useLocalDpi xmlns:a14="http://schemas.microsoft.com/office/drawing/2010/main" val="0"/>
+              </a:ext>
+            </a:extLst>
+          </a:blip>
+          <a:stretch>
+            <a:fillRect/>
+          </a:stretch>
+        </p:blipFill>
+        <p:spPr>
+          <a:xfrm>
+            <a:off x="2534130" y="1690688"/>
+            <a:ext cx="7123739" cy="5037480"/>
+          </a:xfrm>
+        </p:spPr>
+      </p:pic>
+    </p:spTree>
+    <p:extLst>
+      <p:ext uri="{BB962C8B-B14F-4D97-AF65-F5344CB8AC3E}">
+        <p14:creationId xmlns:p14="http://schemas.microsoft.com/office/powerpoint/2010/main" val="3952030159"/>
+      </p:ext>
+    </p:extLst>
+  </p:cSld>
+  <p:clrMapOvr>
+    <a:masterClrMapping/>
+  </p:clrMapOvr>
+</p:sld>
+</file>
+
+<file path=ppt/slides/slide15.xml><?xml version="1.0" encoding="utf-8"?>
+<p:sld xmlns:a="http://schemas.openxmlformats.org/drawingml/2006/main" xmlns:r="http://schemas.openxmlformats.org/officeDocument/2006/relationships" xmlns:p="http://schemas.openxmlformats.org/presentationml/2006/main">
+  <p:cSld>
+    <p:spTree>
+      <p:nvGrpSpPr>
+        <p:cNvPr id="1" name=""/>
+        <p:cNvGrpSpPr/>
+        <p:nvPr/>
+      </p:nvGrpSpPr>
+      <p:grpSpPr>
+        <a:xfrm>
+          <a:off x="0" y="0"/>
+          <a:ext cx="0" cy="0"/>
+          <a:chOff x="0" y="0"/>
+          <a:chExt cx="0" cy="0"/>
+        </a:xfrm>
+      </p:grpSpPr>
+      <p:sp>
+        <p:nvSpPr>
+          <p:cNvPr id="2" name="Título 1">
+            <a:extLst>
+              <a:ext uri="{FF2B5EF4-FFF2-40B4-BE49-F238E27FC236}">
+                <a16:creationId xmlns:a16="http://schemas.microsoft.com/office/drawing/2014/main" id="{C48C0C5D-C577-4633-BE2E-6EEB4681B8AC}"/>
+              </a:ext>
+            </a:extLst>
+          </p:cNvPr>
+          <p:cNvSpPr>
+            <a:spLocks noGrp="1"/>
+          </p:cNvSpPr>
+          <p:nvPr>
+            <p:ph type="title"/>
+          </p:nvPr>
+        </p:nvSpPr>
+        <p:spPr/>
+        <p:txBody>
+          <a:bodyPr/>
+          <a:lstStyle/>
+          <a:p>
+            <a:r>
+              <a:rPr lang="es-ES" b="1" dirty="0">
+                <a:latin typeface="+mn-lt"/>
+              </a:rPr>
+              <a:t>Arquitectura (I)</a:t>
+            </a:r>
+          </a:p>
+        </p:txBody>
+      </p:sp>
+      <p:pic>
+        <p:nvPicPr>
+          <p:cNvPr id="5" name="Marcador de contenido 4">
+            <a:extLst>
+              <a:ext uri="{FF2B5EF4-FFF2-40B4-BE49-F238E27FC236}">
+                <a16:creationId xmlns:a16="http://schemas.microsoft.com/office/drawing/2014/main" id="{C3154E7D-E8E0-4298-859C-BFDD0527CED6}"/>
+              </a:ext>
+            </a:extLst>
+          </p:cNvPr>
+          <p:cNvPicPr>
+            <a:picLocks noGrp="1" noChangeAspect="1"/>
+          </p:cNvPicPr>
+          <p:nvPr>
+            <p:ph idx="1"/>
+          </p:nvPr>
+        </p:nvPicPr>
+        <p:blipFill>
+          <a:blip r:embed="rId2">
+            <a:extLst>
+              <a:ext uri="{28A0092B-C50C-407E-A947-70E740481C1C}">
+                <a14:useLocalDpi xmlns:a14="http://schemas.microsoft.com/office/drawing/2010/main" val="0"/>
+              </a:ext>
+            </a:extLst>
+          </a:blip>
+          <a:stretch>
+            <a:fillRect/>
+          </a:stretch>
+        </p:blipFill>
+        <p:spPr>
+          <a:xfrm>
+            <a:off x="838200" y="1836317"/>
+            <a:ext cx="10515600" cy="4329953"/>
+          </a:xfrm>
+        </p:spPr>
+      </p:pic>
+    </p:spTree>
+    <p:extLst>
+      <p:ext uri="{BB962C8B-B14F-4D97-AF65-F5344CB8AC3E}">
+        <p14:creationId xmlns:p14="http://schemas.microsoft.com/office/powerpoint/2010/main" val="3073579442"/>
+      </p:ext>
+    </p:extLst>
+  </p:cSld>
+  <p:clrMapOvr>
+    <a:masterClrMapping/>
+  </p:clrMapOvr>
+</p:sld>
+</file>
+
+<file path=ppt/slides/slide16.xml><?xml version="1.0" encoding="utf-8"?>
+<p:sld xmlns:a="http://schemas.openxmlformats.org/drawingml/2006/main" xmlns:r="http://schemas.openxmlformats.org/officeDocument/2006/relationships" xmlns:p="http://schemas.openxmlformats.org/presentationml/2006/main">
+  <p:cSld>
+    <p:spTree>
+      <p:nvGrpSpPr>
+        <p:cNvPr id="1" name=""/>
+        <p:cNvGrpSpPr/>
+        <p:nvPr/>
+      </p:nvGrpSpPr>
+      <p:grpSpPr>
+        <a:xfrm>
+          <a:off x="0" y="0"/>
+          <a:ext cx="0" cy="0"/>
+          <a:chOff x="0" y="0"/>
+          <a:chExt cx="0" cy="0"/>
+        </a:xfrm>
+      </p:grpSpPr>
+      <p:sp>
+        <p:nvSpPr>
+          <p:cNvPr id="2" name="Título 1">
+            <a:extLst>
+              <a:ext uri="{FF2B5EF4-FFF2-40B4-BE49-F238E27FC236}">
+                <a16:creationId xmlns:a16="http://schemas.microsoft.com/office/drawing/2014/main" id="{C48C0C5D-C577-4633-BE2E-6EEB4681B8AC}"/>
+              </a:ext>
+            </a:extLst>
+          </p:cNvPr>
+          <p:cNvSpPr>
+            <a:spLocks noGrp="1"/>
+          </p:cNvSpPr>
+          <p:nvPr>
+            <p:ph type="title"/>
+          </p:nvPr>
+        </p:nvSpPr>
+        <p:spPr/>
+        <p:txBody>
+          <a:bodyPr/>
+          <a:lstStyle/>
+          <a:p>
+            <a:r>
+              <a:rPr lang="es-ES" b="1" dirty="0">
+                <a:latin typeface="+mn-lt"/>
+              </a:rPr>
+              <a:t>Arquitectura (II)</a:t>
+            </a:r>
+          </a:p>
+        </p:txBody>
+      </p:sp>
+      <p:pic>
+        <p:nvPicPr>
+          <p:cNvPr id="9" name="Marcador de contenido 8">
+            <a:extLst>
+              <a:ext uri="{FF2B5EF4-FFF2-40B4-BE49-F238E27FC236}">
+                <a16:creationId xmlns:a16="http://schemas.microsoft.com/office/drawing/2014/main" id="{804EF94D-2DA4-432D-AADF-EC27551A10DB}"/>
+              </a:ext>
+            </a:extLst>
+          </p:cNvPr>
+          <p:cNvPicPr>
+            <a:picLocks noGrp="1" noChangeAspect="1"/>
+          </p:cNvPicPr>
+          <p:nvPr>
+            <p:ph idx="1"/>
+          </p:nvPr>
+        </p:nvPicPr>
+        <p:blipFill>
+          <a:blip r:embed="rId2">
+            <a:extLst>
+              <a:ext uri="{28A0092B-C50C-407E-A947-70E740481C1C}">
+                <a14:useLocalDpi xmlns:a14="http://schemas.microsoft.com/office/drawing/2010/main" val="0"/>
+              </a:ext>
+            </a:extLst>
+          </a:blip>
+          <a:stretch>
+            <a:fillRect/>
+          </a:stretch>
+        </p:blipFill>
+        <p:spPr>
+          <a:xfrm>
+            <a:off x="1621511" y="1825625"/>
+            <a:ext cx="8948978" cy="4351338"/>
+          </a:xfrm>
+        </p:spPr>
+      </p:pic>
+    </p:spTree>
+    <p:extLst>
+      <p:ext uri="{BB962C8B-B14F-4D97-AF65-F5344CB8AC3E}">
+        <p14:creationId xmlns:p14="http://schemas.microsoft.com/office/powerpoint/2010/main" val="3603200444"/>
+      </p:ext>
+    </p:extLst>
+  </p:cSld>
+  <p:clrMapOvr>
+    <a:masterClrMapping/>
+  </p:clrMapOvr>
+</p:sld>
+</file>
+
+<file path=ppt/slides/slide17.xml><?xml version="1.0" encoding="utf-8"?>
+<p:sld xmlns:a="http://schemas.openxmlformats.org/drawingml/2006/main" xmlns:r="http://schemas.openxmlformats.org/officeDocument/2006/relationships" xmlns:p="http://schemas.openxmlformats.org/presentationml/2006/main">
+  <p:cSld>
+    <p:spTree>
+      <p:nvGrpSpPr>
+        <p:cNvPr id="1" name=""/>
+        <p:cNvGrpSpPr/>
+        <p:nvPr/>
+      </p:nvGrpSpPr>
+      <p:grpSpPr>
+        <a:xfrm>
+          <a:off x="0" y="0"/>
+          <a:ext cx="0" cy="0"/>
+          <a:chOff x="0" y="0"/>
+          <a:chExt cx="0" cy="0"/>
+        </a:xfrm>
+      </p:grpSpPr>
+      <p:sp>
+        <p:nvSpPr>
+          <p:cNvPr id="2" name="Título 1">
+            <a:extLst>
+              <a:ext uri="{FF2B5EF4-FFF2-40B4-BE49-F238E27FC236}">
+                <a16:creationId xmlns:a16="http://schemas.microsoft.com/office/drawing/2014/main" id="{C48C0C5D-C577-4633-BE2E-6EEB4681B8AC}"/>
+              </a:ext>
+            </a:extLst>
+          </p:cNvPr>
+          <p:cNvSpPr>
+            <a:spLocks noGrp="1"/>
+          </p:cNvSpPr>
+          <p:nvPr>
+            <p:ph type="title"/>
+          </p:nvPr>
+        </p:nvSpPr>
+        <p:spPr/>
+        <p:txBody>
+          <a:bodyPr/>
+          <a:lstStyle/>
+          <a:p>
+            <a:r>
+              <a:rPr lang="es-ES" b="1" dirty="0">
+                <a:latin typeface="+mn-lt"/>
+              </a:rPr>
+              <a:t>Arquitectura (III)</a:t>
+            </a:r>
+          </a:p>
+        </p:txBody>
+      </p:sp>
+      <p:pic>
+        <p:nvPicPr>
+          <p:cNvPr id="5" name="Marcador de contenido 4">
+            <a:extLst>
+              <a:ext uri="{FF2B5EF4-FFF2-40B4-BE49-F238E27FC236}">
+                <a16:creationId xmlns:a16="http://schemas.microsoft.com/office/drawing/2014/main" id="{EBD4D63A-1C4D-46CB-ADD7-2C82FA519FA7}"/>
+              </a:ext>
+            </a:extLst>
+          </p:cNvPr>
+          <p:cNvPicPr>
+            <a:picLocks noGrp="1" noChangeAspect="1"/>
+          </p:cNvPicPr>
+          <p:nvPr>
+            <p:ph idx="1"/>
+          </p:nvPr>
+        </p:nvPicPr>
+        <p:blipFill>
+          <a:blip r:embed="rId2">
+            <a:extLst>
+              <a:ext uri="{28A0092B-C50C-407E-A947-70E740481C1C}">
+                <a14:useLocalDpi xmlns:a14="http://schemas.microsoft.com/office/drawing/2010/main" val="0"/>
+              </a:ext>
+            </a:extLst>
+          </a:blip>
+          <a:stretch>
+            <a:fillRect/>
+          </a:stretch>
+        </p:blipFill>
+        <p:spPr>
+          <a:xfrm>
+            <a:off x="1032140" y="1825625"/>
+            <a:ext cx="10127720" cy="4351338"/>
+          </a:xfrm>
+        </p:spPr>
+      </p:pic>
+    </p:spTree>
+    <p:extLst>
+      <p:ext uri="{BB962C8B-B14F-4D97-AF65-F5344CB8AC3E}">
+        <p14:creationId xmlns:p14="http://schemas.microsoft.com/office/powerpoint/2010/main" val="2825554059"/>
+      </p:ext>
+    </p:extLst>
+  </p:cSld>
+  <p:clrMapOvr>
+    <a:masterClrMapping/>
+  </p:clrMapOvr>
+</p:sld>
+</file>
+
+<file path=ppt/slides/slide18.xml><?xml version="1.0" encoding="utf-8"?>
+<p:sld xmlns:a="http://schemas.openxmlformats.org/drawingml/2006/main" xmlns:r="http://schemas.openxmlformats.org/officeDocument/2006/relationships" xmlns:p="http://schemas.openxmlformats.org/presentationml/2006/main">
+  <p:cSld>
+    <p:spTree>
+      <p:nvGrpSpPr>
+        <p:cNvPr id="1" name=""/>
+        <p:cNvGrpSpPr/>
+        <p:nvPr/>
+      </p:nvGrpSpPr>
+      <p:grpSpPr>
+        <a:xfrm>
+          <a:off x="0" y="0"/>
+          <a:ext cx="0" cy="0"/>
+          <a:chOff x="0" y="0"/>
+          <a:chExt cx="0" cy="0"/>
+        </a:xfrm>
+      </p:grpSpPr>
+      <p:sp>
+        <p:nvSpPr>
+          <p:cNvPr id="2" name="Título 1">
+            <a:extLst>
+              <a:ext uri="{FF2B5EF4-FFF2-40B4-BE49-F238E27FC236}">
+                <a16:creationId xmlns:a16="http://schemas.microsoft.com/office/drawing/2014/main" id="{C48C0C5D-C577-4633-BE2E-6EEB4681B8AC}"/>
+              </a:ext>
+            </a:extLst>
+          </p:cNvPr>
+          <p:cNvSpPr>
+            <a:spLocks noGrp="1"/>
+          </p:cNvSpPr>
+          <p:nvPr>
+            <p:ph type="title"/>
+          </p:nvPr>
+        </p:nvSpPr>
+        <p:spPr/>
+        <p:txBody>
+          <a:bodyPr/>
+          <a:lstStyle/>
+          <a:p>
+            <a:r>
+              <a:rPr lang="es-ES" b="1" dirty="0">
+                <a:latin typeface="+mn-lt"/>
+              </a:rPr>
+              <a:t>Arquitectura (IV)</a:t>
+            </a:r>
+          </a:p>
+        </p:txBody>
+      </p:sp>
+      <p:pic>
+        <p:nvPicPr>
+          <p:cNvPr id="5" name="Marcador de contenido 4">
+            <a:extLst>
+              <a:ext uri="{FF2B5EF4-FFF2-40B4-BE49-F238E27FC236}">
+                <a16:creationId xmlns:a16="http://schemas.microsoft.com/office/drawing/2014/main" id="{1570A01E-4639-44B8-8FCC-532F413192E5}"/>
+              </a:ext>
+            </a:extLst>
+          </p:cNvPr>
+          <p:cNvPicPr>
+            <a:picLocks noGrp="1" noChangeAspect="1"/>
+          </p:cNvPicPr>
+          <p:nvPr>
+            <p:ph idx="1"/>
+          </p:nvPr>
+        </p:nvPicPr>
+        <p:blipFill>
+          <a:blip r:embed="rId2">
+            <a:extLst>
+              <a:ext uri="{28A0092B-C50C-407E-A947-70E740481C1C}">
+                <a14:useLocalDpi xmlns:a14="http://schemas.microsoft.com/office/drawing/2010/main" val="0"/>
+              </a:ext>
+            </a:extLst>
+          </a:blip>
+          <a:stretch>
+            <a:fillRect/>
+          </a:stretch>
+        </p:blipFill>
+        <p:spPr>
+          <a:xfrm>
+            <a:off x="2225885" y="1825625"/>
+            <a:ext cx="7740229" cy="4351338"/>
+          </a:xfrm>
+        </p:spPr>
+      </p:pic>
+    </p:spTree>
+    <p:extLst>
+      <p:ext uri="{BB962C8B-B14F-4D97-AF65-F5344CB8AC3E}">
+        <p14:creationId xmlns:p14="http://schemas.microsoft.com/office/powerpoint/2010/main" val="1289963116"/>
+      </p:ext>
+    </p:extLst>
+  </p:cSld>
+  <p:clrMapOvr>
+    <a:masterClrMapping/>
+  </p:clrMapOvr>
+</p:sld>
+</file>
+
+<file path=ppt/slides/slide19.xml><?xml version="1.0" encoding="utf-8"?>
+<p:sld xmlns:a="http://schemas.openxmlformats.org/drawingml/2006/main" xmlns:r="http://schemas.openxmlformats.org/officeDocument/2006/relationships" xmlns:p="http://schemas.openxmlformats.org/presentationml/2006/main">
+  <p:cSld>
+    <p:spTree>
+      <p:nvGrpSpPr>
+        <p:cNvPr id="1" name=""/>
+        <p:cNvGrpSpPr/>
+        <p:nvPr/>
+      </p:nvGrpSpPr>
+      <p:grpSpPr>
+        <a:xfrm>
+          <a:off x="0" y="0"/>
+          <a:ext cx="0" cy="0"/>
+          <a:chOff x="0" y="0"/>
+          <a:chExt cx="0" cy="0"/>
+        </a:xfrm>
+      </p:grpSpPr>
+      <p:sp>
+        <p:nvSpPr>
+          <p:cNvPr id="2" name="Título 1">
+            <a:extLst>
+              <a:ext uri="{FF2B5EF4-FFF2-40B4-BE49-F238E27FC236}">
+                <a16:creationId xmlns:a16="http://schemas.microsoft.com/office/drawing/2014/main" id="{AE9B2E2E-9A92-4BC7-8EA6-D287FE5F07DC}"/>
+              </a:ext>
+            </a:extLst>
+          </p:cNvPr>
+          <p:cNvSpPr>
+            <a:spLocks noGrp="1"/>
+          </p:cNvSpPr>
+          <p:nvPr>
+            <p:ph type="title"/>
+          </p:nvPr>
+        </p:nvSpPr>
+        <p:spPr/>
+        <p:txBody>
+          <a:bodyPr/>
+          <a:lstStyle/>
+          <a:p>
+            <a:r>
+              <a:rPr lang="es-ES" b="1" dirty="0">
+                <a:latin typeface="+mn-lt"/>
+              </a:rPr>
+              <a:t>Patrón</a:t>
+            </a:r>
+          </a:p>
+        </p:txBody>
+      </p:sp>
+      <p:sp>
+        <p:nvSpPr>
+          <p:cNvPr id="3" name="Marcador de contenido 2">
+            <a:extLst>
+              <a:ext uri="{FF2B5EF4-FFF2-40B4-BE49-F238E27FC236}">
+                <a16:creationId xmlns:a16="http://schemas.microsoft.com/office/drawing/2014/main" id="{A3670A90-39D3-4F8C-85D2-ED497923855E}"/>
+              </a:ext>
+            </a:extLst>
+          </p:cNvPr>
+          <p:cNvSpPr>
+            <a:spLocks noGrp="1"/>
+          </p:cNvSpPr>
+          <p:nvPr>
+            <p:ph idx="1"/>
+          </p:nvPr>
+        </p:nvSpPr>
+        <p:spPr/>
+        <p:txBody>
+          <a:bodyPr/>
+          <a:lstStyle/>
+          <a:p>
+            <a:endParaRPr lang="es-ES"/>
+          </a:p>
+        </p:txBody>
+      </p:sp>
+    </p:spTree>
+    <p:extLst>
+      <p:ext uri="{BB962C8B-B14F-4D97-AF65-F5344CB8AC3E}">
+        <p14:creationId xmlns:p14="http://schemas.microsoft.com/office/powerpoint/2010/main" val="1708215773"/>
+      </p:ext>
+    </p:extLst>
+  </p:cSld>
+  <p:clrMapOvr>
+    <a:masterClrMapping/>
+  </p:clrMapOvr>
+</p:sld>
+</file>
+
+<file path=ppt/slides/slide2.xml><?xml version="1.0" encoding="utf-8"?>
+<p:sld xmlns:a="http://schemas.openxmlformats.org/drawingml/2006/main" xmlns:r="http://schemas.openxmlformats.org/officeDocument/2006/relationships" xmlns:p="http://schemas.openxmlformats.org/presentationml/2006/main">
+  <p:cSld>
+    <p:spTree>
+      <p:nvGrpSpPr>
+        <p:cNvPr id="1" name=""/>
+        <p:cNvGrpSpPr/>
+        <p:nvPr/>
+      </p:nvGrpSpPr>
+      <p:grpSpPr>
+        <a:xfrm>
+          <a:off x="0" y="0"/>
+          <a:ext cx="0" cy="0"/>
+          <a:chOff x="0" y="0"/>
+          <a:chExt cx="0" cy="0"/>
+        </a:xfrm>
+      </p:grpSpPr>
+      <p:sp>
+        <p:nvSpPr>
+          <p:cNvPr id="2" name="Título 1">
+            <a:extLst>
+              <a:ext uri="{FF2B5EF4-FFF2-40B4-BE49-F238E27FC236}">
+                <a16:creationId xmlns:a16="http://schemas.microsoft.com/office/drawing/2014/main" id="{F4569FDF-7424-4B9C-9C72-E3FF9CAD9D52}"/>
+              </a:ext>
+            </a:extLst>
+          </p:cNvPr>
+          <p:cNvSpPr>
+            <a:spLocks noGrp="1"/>
+          </p:cNvSpPr>
+          <p:nvPr>
+            <p:ph type="title"/>
+          </p:nvPr>
+        </p:nvSpPr>
+        <p:spPr/>
+        <p:txBody>
+          <a:bodyPr/>
+          <a:lstStyle/>
+          <a:p>
+            <a:r>
+              <a:rPr lang="es-ES" b="1" dirty="0">
+                <a:latin typeface="+mn-lt"/>
+              </a:rPr>
+              <a:t>Money Manager</a:t>
+            </a:r>
+          </a:p>
+        </p:txBody>
+      </p:sp>
+      <p:sp>
+        <p:nvSpPr>
+          <p:cNvPr id="3" name="Marcador de contenido 2">
+            <a:extLst>
+              <a:ext uri="{FF2B5EF4-FFF2-40B4-BE49-F238E27FC236}">
+                <a16:creationId xmlns:a16="http://schemas.microsoft.com/office/drawing/2014/main" id="{35E2DBD1-03F7-4F9D-BAF2-416EEE4700CB}"/>
+              </a:ext>
+            </a:extLst>
+          </p:cNvPr>
+          <p:cNvSpPr>
+            <a:spLocks noGrp="1"/>
+          </p:cNvSpPr>
+          <p:nvPr>
+            <p:ph idx="1"/>
+          </p:nvPr>
+        </p:nvSpPr>
+        <p:spPr>
+          <a:xfrm>
+            <a:off x="510653" y="1825624"/>
+            <a:ext cx="11061753" cy="3435923"/>
+          </a:xfrm>
+        </p:spPr>
+        <p:txBody>
+          <a:bodyPr>
+            <a:normAutofit/>
+          </a:bodyPr>
+          <a:lstStyle/>
+          <a:p>
+            <a:pPr marL="0" indent="0" algn="just">
+              <a:buNone/>
+            </a:pPr>
+            <a:r>
+              <a:rPr lang="es-ES" dirty="0"/>
+              <a:t>El sistema que hemos desarrollado es una aplicación que permite a los usuarios administrar sus ahorros. Proporcionará un historial de gastos e ingresos para que el usuario pueda tomar decisiones en torno a ello, existiendo la posibilidad de crear planes personalizados a los que dedicar algún porcentaje de sus ingresos con el objetivo de poder “darse un capricho” de la forma más eficiente.</a:t>
+            </a:r>
+          </a:p>
+          <a:p>
+            <a:pPr marL="0" indent="0" algn="just">
+              <a:buNone/>
+            </a:pPr>
+            <a:endParaRPr lang="es-ES" dirty="0"/>
+          </a:p>
+        </p:txBody>
+      </p:sp>
+      <p:pic>
+        <p:nvPicPr>
+          <p:cNvPr id="5" name="Imagen 4">
+            <a:extLst>
+              <a:ext uri="{FF2B5EF4-FFF2-40B4-BE49-F238E27FC236}">
+                <a16:creationId xmlns:a16="http://schemas.microsoft.com/office/drawing/2014/main" id="{941265E5-8DDB-403D-B98E-C4676910ADD3}"/>
+              </a:ext>
+            </a:extLst>
+          </p:cNvPr>
+          <p:cNvPicPr>
+            <a:picLocks noChangeAspect="1"/>
+          </p:cNvPicPr>
+          <p:nvPr/>
+        </p:nvPicPr>
+        <p:blipFill>
+          <a:blip r:embed="rId2">
+            <a:extLst>
+              <a:ext uri="{28A0092B-C50C-407E-A947-70E740481C1C}">
+                <a14:useLocalDpi xmlns:a14="http://schemas.microsoft.com/office/drawing/2010/main" val="0"/>
+              </a:ext>
+            </a:extLst>
+          </a:blip>
+          <a:stretch>
+            <a:fillRect/>
+          </a:stretch>
+        </p:blipFill>
+        <p:spPr>
+          <a:xfrm>
+            <a:off x="5923310" y="3972393"/>
+            <a:ext cx="5758035" cy="2520482"/>
+          </a:xfrm>
+          <a:prstGeom prst="rect">
+            <a:avLst/>
+          </a:prstGeom>
+        </p:spPr>
+      </p:pic>
+      <p:sp>
+        <p:nvSpPr>
+          <p:cNvPr id="6" name="Rectángulo 5">
+            <a:extLst>
+              <a:ext uri="{FF2B5EF4-FFF2-40B4-BE49-F238E27FC236}">
+                <a16:creationId xmlns:a16="http://schemas.microsoft.com/office/drawing/2014/main" id="{58AACF27-82AF-484A-84F1-53C5C19B7F49}"/>
+              </a:ext>
+            </a:extLst>
+          </p:cNvPr>
+          <p:cNvSpPr/>
+          <p:nvPr/>
+        </p:nvSpPr>
+        <p:spPr>
+          <a:xfrm>
+            <a:off x="510653" y="4569049"/>
+            <a:ext cx="5303718" cy="1384995"/>
+          </a:xfrm>
+          <a:prstGeom prst="rect">
+            <a:avLst/>
+          </a:prstGeom>
+        </p:spPr>
+        <p:txBody>
+          <a:bodyPr wrap="square">
+            <a:spAutoFit/>
+          </a:bodyPr>
+          <a:lstStyle/>
+          <a:p>
+            <a:pPr algn="just"/>
+            <a:r>
+              <a:rPr lang="es-ES" sz="2800" dirty="0"/>
+              <a:t>La aplicación está pensada para usarse tanto en formato web como en dispositivos móviles.</a:t>
+            </a:r>
+          </a:p>
+        </p:txBody>
+      </p:sp>
+    </p:spTree>
+    <p:extLst>
+      <p:ext uri="{BB962C8B-B14F-4D97-AF65-F5344CB8AC3E}">
+        <p14:creationId xmlns:p14="http://schemas.microsoft.com/office/powerpoint/2010/main" val="2164010618"/>
+      </p:ext>
+    </p:extLst>
+  </p:cSld>
+  <p:clrMapOvr>
+    <a:masterClrMapping/>
+  </p:clrMapOvr>
+</p:sld>
+</file>
+
+<file path=ppt/slides/slide3.xml><?xml version="1.0" encoding="utf-8"?>
+<p:sld xmlns:a="http://schemas.openxmlformats.org/drawingml/2006/main" xmlns:r="http://schemas.openxmlformats.org/officeDocument/2006/relationships" xmlns:p="http://schemas.openxmlformats.org/presentationml/2006/main">
+  <p:cSld>
+    <p:spTree>
+      <p:nvGrpSpPr>
+        <p:cNvPr id="1" name=""/>
+        <p:cNvGrpSpPr/>
+        <p:nvPr/>
+      </p:nvGrpSpPr>
+      <p:grpSpPr>
+        <a:xfrm>
+          <a:off x="0" y="0"/>
+          <a:ext cx="0" cy="0"/>
+          <a:chOff x="0" y="0"/>
+          <a:chExt cx="0" cy="0"/>
+        </a:xfrm>
+      </p:grpSpPr>
+      <p:sp>
+        <p:nvSpPr>
+          <p:cNvPr id="2" name="Título 1">
+            <a:extLst>
+              <a:ext uri="{FF2B5EF4-FFF2-40B4-BE49-F238E27FC236}">
+                <a16:creationId xmlns:a16="http://schemas.microsoft.com/office/drawing/2014/main" id="{AF726CCF-E2E9-4E64-B9CD-65A391999BDE}"/>
+              </a:ext>
+            </a:extLst>
+          </p:cNvPr>
+          <p:cNvSpPr>
+            <a:spLocks noGrp="1"/>
+          </p:cNvSpPr>
+          <p:nvPr>
+            <p:ph type="title"/>
+          </p:nvPr>
+        </p:nvSpPr>
+        <p:spPr/>
+        <p:txBody>
+          <a:bodyPr/>
+          <a:lstStyle/>
+          <a:p>
+            <a:r>
+              <a:rPr lang="es-ES" b="1" dirty="0">
+                <a:latin typeface="+mn-lt"/>
+              </a:rPr>
+              <a:t>Planificación (I)</a:t>
+            </a:r>
+          </a:p>
+        </p:txBody>
+      </p:sp>
+      <p:pic>
+        <p:nvPicPr>
+          <p:cNvPr id="5" name="Marcador de contenido 4">
+            <a:extLst>
+              <a:ext uri="{FF2B5EF4-FFF2-40B4-BE49-F238E27FC236}">
+                <a16:creationId xmlns:a16="http://schemas.microsoft.com/office/drawing/2014/main" id="{D5851CC7-50CE-4DD3-8E1F-9B7EF99FAC54}"/>
+              </a:ext>
+            </a:extLst>
+          </p:cNvPr>
+          <p:cNvPicPr>
+            <a:picLocks noGrp="1" noChangeAspect="1"/>
+          </p:cNvPicPr>
+          <p:nvPr>
+            <p:ph idx="1"/>
+          </p:nvPr>
+        </p:nvPicPr>
+        <p:blipFill>
+          <a:blip r:embed="rId2">
+            <a:extLst>
+              <a:ext uri="{28A0092B-C50C-407E-A947-70E740481C1C}">
+                <a14:useLocalDpi xmlns:a14="http://schemas.microsoft.com/office/drawing/2010/main" val="0"/>
+              </a:ext>
+            </a:extLst>
+          </a:blip>
+          <a:stretch>
+            <a:fillRect/>
+          </a:stretch>
+        </p:blipFill>
+        <p:spPr>
+          <a:xfrm>
+            <a:off x="114276" y="1659988"/>
+            <a:ext cx="12021452" cy="4536397"/>
+          </a:xfrm>
+        </p:spPr>
+      </p:pic>
+    </p:spTree>
+    <p:extLst>
+      <p:ext uri="{BB962C8B-B14F-4D97-AF65-F5344CB8AC3E}">
+        <p14:creationId xmlns:p14="http://schemas.microsoft.com/office/powerpoint/2010/main" val="2874701430"/>
       </p:ext>
     </p:extLst>
   </p:cSld>
@@ -3858,10 +4811,10 @@
       </p:sp>
       <p:pic>
         <p:nvPicPr>
-          <p:cNvPr id="6" name="Marcador de contenido 5">
-            <a:extLst>
-              <a:ext uri="{FF2B5EF4-FFF2-40B4-BE49-F238E27FC236}">
-                <a16:creationId xmlns:a16="http://schemas.microsoft.com/office/drawing/2014/main" id="{82A25739-EB9E-4BD0-B7D5-E992F5900C6E}"/>
+          <p:cNvPr id="7" name="Marcador de contenido 6">
+            <a:extLst>
+              <a:ext uri="{FF2B5EF4-FFF2-40B4-BE49-F238E27FC236}">
+                <a16:creationId xmlns:a16="http://schemas.microsoft.com/office/drawing/2014/main" id="{C0006B0F-CE8D-424E-A598-09C88920CE29}"/>
               </a:ext>
             </a:extLst>
           </p:cNvPr>
@@ -3886,15 +4839,15 @@
         </p:blipFill>
         <p:spPr>
           <a:xfrm>
-            <a:off x="193732" y="1690688"/>
-            <a:ext cx="11804535" cy="4536000"/>
+            <a:off x="133500" y="1690688"/>
+            <a:ext cx="11925000" cy="4500000"/>
           </a:xfrm>
         </p:spPr>
       </p:pic>
     </p:spTree>
     <p:extLst>
       <p:ext uri="{BB962C8B-B14F-4D97-AF65-F5344CB8AC3E}">
-        <p14:creationId xmlns:p14="http://schemas.microsoft.com/office/powerpoint/2010/main" val="2243623959"/>
+        <p14:creationId xmlns:p14="http://schemas.microsoft.com/office/powerpoint/2010/main" val="1067303770"/>
       </p:ext>
     </p:extLst>
   </p:cSld>
@@ -4087,7 +5040,12 @@
           <a:bodyPr/>
           <a:lstStyle/>
           <a:p>
-            <a:endParaRPr lang="es-ES"/>
+            <a:r>
+              <a:rPr lang="es-ES" b="1" dirty="0">
+                <a:latin typeface="+mn-lt"/>
+              </a:rPr>
+              <a:t>Entrevistas (II)</a:t>
+            </a:r>
           </a:p>
         </p:txBody>
       </p:sp>
@@ -4112,7 +5070,22 @@
           <a:bodyPr/>
           <a:lstStyle/>
           <a:p>
-            <a:endParaRPr lang="es-ES" dirty="0"/>
+            <a:pPr marL="0" indent="0">
+              <a:buNone/>
+            </a:pPr>
+            <a:r>
+              <a:rPr lang="es-ES" dirty="0"/>
+              <a:t>Tras la realización de la entrevista, comenzamos a definir una primera aproximación a los requisitos del sistema, según lo que habíamos conseguido extraer de las respuestas del cliente. Irremediablemente, estos requisitos iniciales no podían ser demasiado concretos, dado el carácter general de las preguntas realizadas, pero sirvieron de base para construir la lista final de requisitos.</a:t>
+            </a:r>
+          </a:p>
+          <a:p>
+            <a:pPr marL="0" indent="0">
+              <a:buNone/>
+            </a:pPr>
+            <a:r>
+              <a:rPr lang="es-ES" dirty="0"/>
+              <a:t>En paralelo, se empezó a desarrollar un primer prototipo del sistema para mostrárselo al cliente y ver si el concepto que habíamos captado del producto coincidía con sus expectativas.</a:t>
+            </a:r>
           </a:p>
         </p:txBody>
       </p:sp>
@@ -4120,6 +5093,456 @@
     <p:extLst>
       <p:ext uri="{BB962C8B-B14F-4D97-AF65-F5344CB8AC3E}">
         <p14:creationId xmlns:p14="http://schemas.microsoft.com/office/powerpoint/2010/main" val="1488036017"/>
+      </p:ext>
+    </p:extLst>
+  </p:cSld>
+  <p:clrMapOvr>
+    <a:masterClrMapping/>
+  </p:clrMapOvr>
+</p:sld>
+</file>
+
+<file path=ppt/slides/slide7.xml><?xml version="1.0" encoding="utf-8"?>
+<p:sld xmlns:a="http://schemas.openxmlformats.org/drawingml/2006/main" xmlns:r="http://schemas.openxmlformats.org/officeDocument/2006/relationships" xmlns:p="http://schemas.openxmlformats.org/presentationml/2006/main">
+  <p:cSld>
+    <p:spTree>
+      <p:nvGrpSpPr>
+        <p:cNvPr id="1" name=""/>
+        <p:cNvGrpSpPr/>
+        <p:nvPr/>
+      </p:nvGrpSpPr>
+      <p:grpSpPr>
+        <a:xfrm>
+          <a:off x="0" y="0"/>
+          <a:ext cx="0" cy="0"/>
+          <a:chOff x="0" y="0"/>
+          <a:chExt cx="0" cy="0"/>
+        </a:xfrm>
+      </p:grpSpPr>
+      <p:sp>
+        <p:nvSpPr>
+          <p:cNvPr id="2" name="Título 1">
+            <a:extLst>
+              <a:ext uri="{FF2B5EF4-FFF2-40B4-BE49-F238E27FC236}">
+                <a16:creationId xmlns:a16="http://schemas.microsoft.com/office/drawing/2014/main" id="{8D49CD11-B14F-44C6-A671-79A4B1BB1065}"/>
+              </a:ext>
+            </a:extLst>
+          </p:cNvPr>
+          <p:cNvSpPr>
+            <a:spLocks noGrp="1"/>
+          </p:cNvSpPr>
+          <p:nvPr>
+            <p:ph type="title"/>
+          </p:nvPr>
+        </p:nvSpPr>
+        <p:spPr/>
+        <p:txBody>
+          <a:bodyPr/>
+          <a:lstStyle/>
+          <a:p>
+            <a:r>
+              <a:rPr lang="es-ES" b="1" dirty="0">
+                <a:latin typeface="+mn-lt"/>
+              </a:rPr>
+              <a:t>Prototipo</a:t>
+            </a:r>
+          </a:p>
+        </p:txBody>
+      </p:sp>
+      <p:pic>
+        <p:nvPicPr>
+          <p:cNvPr id="5" name="Marcador de contenido 4">
+            <a:extLst>
+              <a:ext uri="{FF2B5EF4-FFF2-40B4-BE49-F238E27FC236}">
+                <a16:creationId xmlns:a16="http://schemas.microsoft.com/office/drawing/2014/main" id="{D48B5D66-C113-43A6-B51D-7C0533D75CAA}"/>
+              </a:ext>
+            </a:extLst>
+          </p:cNvPr>
+          <p:cNvPicPr>
+            <a:picLocks noGrp="1" noChangeAspect="1"/>
+          </p:cNvPicPr>
+          <p:nvPr>
+            <p:ph idx="1"/>
+          </p:nvPr>
+        </p:nvPicPr>
+        <p:blipFill>
+          <a:blip r:embed="rId2">
+            <a:extLst>
+              <a:ext uri="{28A0092B-C50C-407E-A947-70E740481C1C}">
+                <a14:useLocalDpi xmlns:a14="http://schemas.microsoft.com/office/drawing/2010/main" val="0"/>
+              </a:ext>
+            </a:extLst>
+          </a:blip>
+          <a:stretch>
+            <a:fillRect/>
+          </a:stretch>
+        </p:blipFill>
+        <p:spPr>
+          <a:xfrm>
+            <a:off x="661180" y="1392702"/>
+            <a:ext cx="4492494" cy="2161326"/>
+          </a:xfrm>
+        </p:spPr>
+      </p:pic>
+      <p:pic>
+        <p:nvPicPr>
+          <p:cNvPr id="7" name="Imagen 6">
+            <a:extLst>
+              <a:ext uri="{FF2B5EF4-FFF2-40B4-BE49-F238E27FC236}">
+                <a16:creationId xmlns:a16="http://schemas.microsoft.com/office/drawing/2014/main" id="{FB8B5502-50A5-4BB2-B341-03AFE79A44E1}"/>
+              </a:ext>
+            </a:extLst>
+          </p:cNvPr>
+          <p:cNvPicPr>
+            <a:picLocks noChangeAspect="1"/>
+          </p:cNvPicPr>
+          <p:nvPr/>
+        </p:nvPicPr>
+        <p:blipFill>
+          <a:blip r:embed="rId3">
+            <a:extLst>
+              <a:ext uri="{28A0092B-C50C-407E-A947-70E740481C1C}">
+                <a14:useLocalDpi xmlns:a14="http://schemas.microsoft.com/office/drawing/2010/main" val="0"/>
+              </a:ext>
+            </a:extLst>
+          </a:blip>
+          <a:stretch>
+            <a:fillRect/>
+          </a:stretch>
+        </p:blipFill>
+        <p:spPr>
+          <a:xfrm>
+            <a:off x="4465981" y="823550"/>
+            <a:ext cx="7537997" cy="3299630"/>
+          </a:xfrm>
+          <a:prstGeom prst="rect">
+            <a:avLst/>
+          </a:prstGeom>
+        </p:spPr>
+      </p:pic>
+      <p:pic>
+        <p:nvPicPr>
+          <p:cNvPr id="9" name="Imagen 8">
+            <a:extLst>
+              <a:ext uri="{FF2B5EF4-FFF2-40B4-BE49-F238E27FC236}">
+                <a16:creationId xmlns:a16="http://schemas.microsoft.com/office/drawing/2014/main" id="{03DEF349-41B9-443A-A07C-E4C5438B7BF0}"/>
+              </a:ext>
+            </a:extLst>
+          </p:cNvPr>
+          <p:cNvPicPr>
+            <a:picLocks noChangeAspect="1"/>
+          </p:cNvPicPr>
+          <p:nvPr/>
+        </p:nvPicPr>
+        <p:blipFill>
+          <a:blip r:embed="rId4">
+            <a:extLst>
+              <a:ext uri="{28A0092B-C50C-407E-A947-70E740481C1C}">
+                <a14:useLocalDpi xmlns:a14="http://schemas.microsoft.com/office/drawing/2010/main" val="0"/>
+              </a:ext>
+            </a:extLst>
+          </a:blip>
+          <a:stretch>
+            <a:fillRect/>
+          </a:stretch>
+        </p:blipFill>
+        <p:spPr>
+          <a:xfrm>
+            <a:off x="2013966" y="3189843"/>
+            <a:ext cx="8466918" cy="3631382"/>
+          </a:xfrm>
+          <a:prstGeom prst="rect">
+            <a:avLst/>
+          </a:prstGeom>
+        </p:spPr>
+      </p:pic>
+    </p:spTree>
+    <p:extLst>
+      <p:ext uri="{BB962C8B-B14F-4D97-AF65-F5344CB8AC3E}">
+        <p14:creationId xmlns:p14="http://schemas.microsoft.com/office/powerpoint/2010/main" val="2845522062"/>
+      </p:ext>
+    </p:extLst>
+  </p:cSld>
+  <p:clrMapOvr>
+    <a:masterClrMapping/>
+  </p:clrMapOvr>
+</p:sld>
+</file>
+
+<file path=ppt/slides/slide8.xml><?xml version="1.0" encoding="utf-8"?>
+<p:sld xmlns:a="http://schemas.openxmlformats.org/drawingml/2006/main" xmlns:r="http://schemas.openxmlformats.org/officeDocument/2006/relationships" xmlns:p="http://schemas.openxmlformats.org/presentationml/2006/main">
+  <p:cSld>
+    <p:spTree>
+      <p:nvGrpSpPr>
+        <p:cNvPr id="1" name=""/>
+        <p:cNvGrpSpPr/>
+        <p:nvPr/>
+      </p:nvGrpSpPr>
+      <p:grpSpPr>
+        <a:xfrm>
+          <a:off x="0" y="0"/>
+          <a:ext cx="0" cy="0"/>
+          <a:chOff x="0" y="0"/>
+          <a:chExt cx="0" cy="0"/>
+        </a:xfrm>
+      </p:grpSpPr>
+      <p:sp>
+        <p:nvSpPr>
+          <p:cNvPr id="2" name="Título 1">
+            <a:extLst>
+              <a:ext uri="{FF2B5EF4-FFF2-40B4-BE49-F238E27FC236}">
+                <a16:creationId xmlns:a16="http://schemas.microsoft.com/office/drawing/2014/main" id="{BC7F1917-E18F-487C-AE56-B05E803ED19C}"/>
+              </a:ext>
+            </a:extLst>
+          </p:cNvPr>
+          <p:cNvSpPr>
+            <a:spLocks noGrp="1"/>
+          </p:cNvSpPr>
+          <p:nvPr>
+            <p:ph type="title"/>
+          </p:nvPr>
+        </p:nvSpPr>
+        <p:spPr/>
+        <p:txBody>
+          <a:bodyPr/>
+          <a:lstStyle/>
+          <a:p>
+            <a:r>
+              <a:rPr lang="es-ES" b="1" dirty="0">
+                <a:latin typeface="+mn-lt"/>
+              </a:rPr>
+              <a:t>Entrevistas (III)</a:t>
+            </a:r>
+          </a:p>
+        </p:txBody>
+      </p:sp>
+      <p:pic>
+        <p:nvPicPr>
+          <p:cNvPr id="5" name="Marcador de contenido 4">
+            <a:extLst>
+              <a:ext uri="{FF2B5EF4-FFF2-40B4-BE49-F238E27FC236}">
+                <a16:creationId xmlns:a16="http://schemas.microsoft.com/office/drawing/2014/main" id="{1DE2F87B-9F72-4A4C-9872-1ABF57762656}"/>
+              </a:ext>
+            </a:extLst>
+          </p:cNvPr>
+          <p:cNvPicPr>
+            <a:picLocks noGrp="1" noChangeAspect="1"/>
+          </p:cNvPicPr>
+          <p:nvPr>
+            <p:ph idx="1"/>
+          </p:nvPr>
+        </p:nvPicPr>
+        <p:blipFill>
+          <a:blip r:embed="rId2">
+            <a:extLst>
+              <a:ext uri="{28A0092B-C50C-407E-A947-70E740481C1C}">
+                <a14:useLocalDpi xmlns:a14="http://schemas.microsoft.com/office/drawing/2010/main" val="0"/>
+              </a:ext>
+            </a:extLst>
+          </a:blip>
+          <a:stretch>
+            <a:fillRect/>
+          </a:stretch>
+        </p:blipFill>
+        <p:spPr>
+          <a:xfrm>
+            <a:off x="0" y="1458000"/>
+            <a:ext cx="3818555" cy="5400000"/>
+          </a:xfrm>
+        </p:spPr>
+      </p:pic>
+      <p:sp>
+        <p:nvSpPr>
+          <p:cNvPr id="6" name="CuadroTexto 5">
+            <a:extLst>
+              <a:ext uri="{FF2B5EF4-FFF2-40B4-BE49-F238E27FC236}">
+                <a16:creationId xmlns:a16="http://schemas.microsoft.com/office/drawing/2014/main" id="{8E700C67-5CE4-4D11-BAA7-DFA10A46A2F7}"/>
+              </a:ext>
+            </a:extLst>
+          </p:cNvPr>
+          <p:cNvSpPr txBox="1"/>
+          <p:nvPr/>
+        </p:nvSpPr>
+        <p:spPr>
+          <a:xfrm>
+            <a:off x="4159030" y="2172841"/>
+            <a:ext cx="7194770" cy="3970318"/>
+          </a:xfrm>
+          <a:prstGeom prst="rect">
+            <a:avLst/>
+          </a:prstGeom>
+          <a:noFill/>
+        </p:spPr>
+        <p:txBody>
+          <a:bodyPr wrap="square" rtlCol="0">
+            <a:spAutoFit/>
+          </a:bodyPr>
+          <a:lstStyle/>
+          <a:p>
+            <a:pPr algn="just"/>
+            <a:r>
+              <a:rPr lang="es-ES" sz="2800" dirty="0"/>
+              <a:t>El objetivo de esta entrevista fue concretar las ideas de la entrevista anterior para poder realizar un análisis del negocio; una lista de requisitos completa y consistente; y poder finalizar la etapa de análisis y comenzar a modelar el sistema.</a:t>
+            </a:r>
+          </a:p>
+          <a:p>
+            <a:pPr algn="just"/>
+            <a:r>
+              <a:rPr lang="es-ES" sz="2800" dirty="0"/>
+              <a:t>En este caso las preguntas fueron planteadas para dar información concreta, en contraste con las preguntas generales de la etapa anterior.</a:t>
+            </a:r>
+          </a:p>
+        </p:txBody>
+      </p:sp>
+    </p:spTree>
+    <p:extLst>
+      <p:ext uri="{BB962C8B-B14F-4D97-AF65-F5344CB8AC3E}">
+        <p14:creationId xmlns:p14="http://schemas.microsoft.com/office/powerpoint/2010/main" val="2892773948"/>
+      </p:ext>
+    </p:extLst>
+  </p:cSld>
+  <p:clrMapOvr>
+    <a:masterClrMapping/>
+  </p:clrMapOvr>
+</p:sld>
+</file>
+
+<file path=ppt/slides/slide9.xml><?xml version="1.0" encoding="utf-8"?>
+<p:sld xmlns:a="http://schemas.openxmlformats.org/drawingml/2006/main" xmlns:r="http://schemas.openxmlformats.org/officeDocument/2006/relationships" xmlns:p="http://schemas.openxmlformats.org/presentationml/2006/main">
+  <p:cSld>
+    <p:spTree>
+      <p:nvGrpSpPr>
+        <p:cNvPr id="1" name=""/>
+        <p:cNvGrpSpPr/>
+        <p:nvPr/>
+      </p:nvGrpSpPr>
+      <p:grpSpPr>
+        <a:xfrm>
+          <a:off x="0" y="0"/>
+          <a:ext cx="0" cy="0"/>
+          <a:chOff x="0" y="0"/>
+          <a:chExt cx="0" cy="0"/>
+        </a:xfrm>
+      </p:grpSpPr>
+      <p:sp>
+        <p:nvSpPr>
+          <p:cNvPr id="2" name="Título 1">
+            <a:extLst>
+              <a:ext uri="{FF2B5EF4-FFF2-40B4-BE49-F238E27FC236}">
+                <a16:creationId xmlns:a16="http://schemas.microsoft.com/office/drawing/2014/main" id="{3FBF79CD-905A-4723-8F8D-30DFE9FC83BB}"/>
+              </a:ext>
+            </a:extLst>
+          </p:cNvPr>
+          <p:cNvSpPr>
+            <a:spLocks noGrp="1"/>
+          </p:cNvSpPr>
+          <p:nvPr>
+            <p:ph type="title"/>
+          </p:nvPr>
+        </p:nvSpPr>
+        <p:spPr/>
+        <p:txBody>
+          <a:bodyPr/>
+          <a:lstStyle/>
+          <a:p>
+            <a:r>
+              <a:rPr lang="es-ES" b="1" dirty="0">
+                <a:latin typeface="+mn-lt"/>
+              </a:rPr>
+              <a:t>Requisitos</a:t>
+            </a:r>
+          </a:p>
+        </p:txBody>
+      </p:sp>
+      <p:pic>
+        <p:nvPicPr>
+          <p:cNvPr id="5" name="Marcador de contenido 4">
+            <a:extLst>
+              <a:ext uri="{FF2B5EF4-FFF2-40B4-BE49-F238E27FC236}">
+                <a16:creationId xmlns:a16="http://schemas.microsoft.com/office/drawing/2014/main" id="{770AB781-5338-427E-B5CB-433362A75FDE}"/>
+              </a:ext>
+            </a:extLst>
+          </p:cNvPr>
+          <p:cNvPicPr>
+            <a:picLocks noGrp="1" noChangeAspect="1"/>
+          </p:cNvPicPr>
+          <p:nvPr>
+            <p:ph idx="1"/>
+          </p:nvPr>
+        </p:nvPicPr>
+        <p:blipFill>
+          <a:blip r:embed="rId2">
+            <a:extLst>
+              <a:ext uri="{28A0092B-C50C-407E-A947-70E740481C1C}">
+                <a14:useLocalDpi xmlns:a14="http://schemas.microsoft.com/office/drawing/2010/main" val="0"/>
+              </a:ext>
+            </a:extLst>
+          </a:blip>
+          <a:stretch>
+            <a:fillRect/>
+          </a:stretch>
+        </p:blipFill>
+        <p:spPr>
+          <a:xfrm>
+            <a:off x="7342901" y="658"/>
+            <a:ext cx="4849099" cy="6857342"/>
+          </a:xfrm>
+        </p:spPr>
+      </p:pic>
+      <p:sp>
+        <p:nvSpPr>
+          <p:cNvPr id="6" name="CuadroTexto 5">
+            <a:extLst>
+              <a:ext uri="{FF2B5EF4-FFF2-40B4-BE49-F238E27FC236}">
+                <a16:creationId xmlns:a16="http://schemas.microsoft.com/office/drawing/2014/main" id="{47463FBB-42D6-43FE-91ED-36743FF2EA0E}"/>
+              </a:ext>
+            </a:extLst>
+          </p:cNvPr>
+          <p:cNvSpPr txBox="1"/>
+          <p:nvPr/>
+        </p:nvSpPr>
+        <p:spPr>
+          <a:xfrm>
+            <a:off x="172278" y="1685823"/>
+            <a:ext cx="6970644" cy="4832092"/>
+          </a:xfrm>
+          <a:prstGeom prst="rect">
+            <a:avLst/>
+          </a:prstGeom>
+          <a:noFill/>
+        </p:spPr>
+        <p:txBody>
+          <a:bodyPr wrap="square" rtlCol="0">
+            <a:spAutoFit/>
+          </a:bodyPr>
+          <a:lstStyle/>
+          <a:p>
+            <a:pPr algn="just"/>
+            <a:r>
+              <a:rPr lang="es-ES" sz="2800" dirty="0"/>
+              <a:t>Tras realizar las entrevistas, fueron redactados y catalogados todos los requisitos del producto, sobre los cuales después desarrollaremos todo el sistema.</a:t>
+            </a:r>
+          </a:p>
+          <a:p>
+            <a:pPr algn="just"/>
+            <a:r>
+              <a:rPr lang="es-ES" sz="2800" dirty="0"/>
+              <a:t>Por ello es fundamental que estos requisitos estén bien definidos y que tanto desarrolladores como clientes estén de acuerdo con ellos.</a:t>
+            </a:r>
+          </a:p>
+          <a:p>
+            <a:pPr algn="just"/>
+            <a:r>
+              <a:rPr lang="es-ES" sz="2800" dirty="0"/>
+              <a:t>La firma del cliente para la aceptación de estos requisitos marca el fin de la etapa de análisis, y el comienzo de la de modelaje.</a:t>
+            </a:r>
+          </a:p>
+        </p:txBody>
+      </p:sp>
+    </p:spTree>
+    <p:extLst>
+      <p:ext uri="{BB962C8B-B14F-4D97-AF65-F5344CB8AC3E}">
+        <p14:creationId xmlns:p14="http://schemas.microsoft.com/office/powerpoint/2010/main" val="3296174682"/>
       </p:ext>
     </p:extLst>
   </p:cSld>

--- a/MONEY MANAGER.pptx
+++ b/MONEY MANAGER.pptx
@@ -24,6 +24,7 @@
     <p:sldId id="272" r:id="rId18"/>
     <p:sldId id="273" r:id="rId19"/>
     <p:sldId id="274" r:id="rId20"/>
+    <p:sldId id="275" r:id="rId21"/>
   </p:sldIdLst>
   <p:sldSz cx="12192000" cy="6858000"/>
   <p:notesSz cx="6858000" cy="9144000"/>
@@ -277,7 +278,7 @@
           <a:p>
             <a:fld id="{31924CD8-0591-424F-B3B7-9FB11D126F28}" type="datetimeFigureOut">
               <a:rPr lang="es-ES" smtClean="0"/>
-              <a:t>06/06/2018</a:t>
+              <a:t>07/06/2018</a:t>
             </a:fld>
             <a:endParaRPr lang="es-ES"/>
           </a:p>
@@ -475,7 +476,7 @@
           <a:p>
             <a:fld id="{31924CD8-0591-424F-B3B7-9FB11D126F28}" type="datetimeFigureOut">
               <a:rPr lang="es-ES" smtClean="0"/>
-              <a:t>06/06/2018</a:t>
+              <a:t>07/06/2018</a:t>
             </a:fld>
             <a:endParaRPr lang="es-ES"/>
           </a:p>
@@ -683,7 +684,7 @@
           <a:p>
             <a:fld id="{31924CD8-0591-424F-B3B7-9FB11D126F28}" type="datetimeFigureOut">
               <a:rPr lang="es-ES" smtClean="0"/>
-              <a:t>06/06/2018</a:t>
+              <a:t>07/06/2018</a:t>
             </a:fld>
             <a:endParaRPr lang="es-ES"/>
           </a:p>
@@ -881,7 +882,7 @@
           <a:p>
             <a:fld id="{31924CD8-0591-424F-B3B7-9FB11D126F28}" type="datetimeFigureOut">
               <a:rPr lang="es-ES" smtClean="0"/>
-              <a:t>06/06/2018</a:t>
+              <a:t>07/06/2018</a:t>
             </a:fld>
             <a:endParaRPr lang="es-ES"/>
           </a:p>
@@ -1156,7 +1157,7 @@
           <a:p>
             <a:fld id="{31924CD8-0591-424F-B3B7-9FB11D126F28}" type="datetimeFigureOut">
               <a:rPr lang="es-ES" smtClean="0"/>
-              <a:t>06/06/2018</a:t>
+              <a:t>07/06/2018</a:t>
             </a:fld>
             <a:endParaRPr lang="es-ES"/>
           </a:p>
@@ -1421,7 +1422,7 @@
           <a:p>
             <a:fld id="{31924CD8-0591-424F-B3B7-9FB11D126F28}" type="datetimeFigureOut">
               <a:rPr lang="es-ES" smtClean="0"/>
-              <a:t>06/06/2018</a:t>
+              <a:t>07/06/2018</a:t>
             </a:fld>
             <a:endParaRPr lang="es-ES"/>
           </a:p>
@@ -1833,7 +1834,7 @@
           <a:p>
             <a:fld id="{31924CD8-0591-424F-B3B7-9FB11D126F28}" type="datetimeFigureOut">
               <a:rPr lang="es-ES" smtClean="0"/>
-              <a:t>06/06/2018</a:t>
+              <a:t>07/06/2018</a:t>
             </a:fld>
             <a:endParaRPr lang="es-ES"/>
           </a:p>
@@ -1974,7 +1975,7 @@
           <a:p>
             <a:fld id="{31924CD8-0591-424F-B3B7-9FB11D126F28}" type="datetimeFigureOut">
               <a:rPr lang="es-ES" smtClean="0"/>
-              <a:t>06/06/2018</a:t>
+              <a:t>07/06/2018</a:t>
             </a:fld>
             <a:endParaRPr lang="es-ES"/>
           </a:p>
@@ -2087,7 +2088,7 @@
           <a:p>
             <a:fld id="{31924CD8-0591-424F-B3B7-9FB11D126F28}" type="datetimeFigureOut">
               <a:rPr lang="es-ES" smtClean="0"/>
-              <a:t>06/06/2018</a:t>
+              <a:t>07/06/2018</a:t>
             </a:fld>
             <a:endParaRPr lang="es-ES"/>
           </a:p>
@@ -2398,7 +2399,7 @@
           <a:p>
             <a:fld id="{31924CD8-0591-424F-B3B7-9FB11D126F28}" type="datetimeFigureOut">
               <a:rPr lang="es-ES" smtClean="0"/>
-              <a:t>06/06/2018</a:t>
+              <a:t>07/06/2018</a:t>
             </a:fld>
             <a:endParaRPr lang="es-ES"/>
           </a:p>
@@ -2686,7 +2687,7 @@
           <a:p>
             <a:fld id="{31924CD8-0591-424F-B3B7-9FB11D126F28}" type="datetimeFigureOut">
               <a:rPr lang="es-ES" smtClean="0"/>
-              <a:t>06/06/2018</a:t>
+              <a:t>07/06/2018</a:t>
             </a:fld>
             <a:endParaRPr lang="es-ES"/>
           </a:p>
@@ -2937,7 +2938,7 @@
           <a:p>
             <a:fld id="{31924CD8-0591-424F-B3B7-9FB11D126F28}" type="datetimeFigureOut">
               <a:rPr lang="es-ES" smtClean="0"/>
-              <a:t>06/06/2018</a:t>
+              <a:t>07/06/2018</a:t>
             </a:fld>
             <a:endParaRPr lang="es-ES"/>
           </a:p>
@@ -4652,6 +4653,140 @@
 </p:sld>
 </file>
 
+<file path=ppt/slides/slide20.xml><?xml version="1.0" encoding="utf-8"?>
+<p:sld xmlns:a="http://schemas.openxmlformats.org/drawingml/2006/main" xmlns:r="http://schemas.openxmlformats.org/officeDocument/2006/relationships" xmlns:p="http://schemas.openxmlformats.org/presentationml/2006/main">
+  <p:cSld>
+    <p:spTree>
+      <p:nvGrpSpPr>
+        <p:cNvPr id="1" name=""/>
+        <p:cNvGrpSpPr/>
+        <p:nvPr/>
+      </p:nvGrpSpPr>
+      <p:grpSpPr>
+        <a:xfrm>
+          <a:off x="0" y="0"/>
+          <a:ext cx="0" cy="0"/>
+          <a:chOff x="0" y="0"/>
+          <a:chExt cx="0" cy="0"/>
+        </a:xfrm>
+      </p:grpSpPr>
+      <p:sp>
+        <p:nvSpPr>
+          <p:cNvPr id="2" name="Título 1">
+            <a:extLst>
+              <a:ext uri="{FF2B5EF4-FFF2-40B4-BE49-F238E27FC236}">
+                <a16:creationId xmlns:a16="http://schemas.microsoft.com/office/drawing/2014/main" id="{228966E8-9C3D-4420-9369-B56741FE75F8}"/>
+              </a:ext>
+            </a:extLst>
+          </p:cNvPr>
+          <p:cNvSpPr>
+            <a:spLocks noGrp="1"/>
+          </p:cNvSpPr>
+          <p:nvPr>
+            <p:ph type="title"/>
+          </p:nvPr>
+        </p:nvSpPr>
+        <p:spPr/>
+        <p:txBody>
+          <a:bodyPr/>
+          <a:lstStyle/>
+          <a:p>
+            <a:r>
+              <a:rPr lang="es-ES" b="1" dirty="0" err="1">
+                <a:latin typeface="+mn-lt"/>
+              </a:rPr>
+              <a:t>Testing</a:t>
+            </a:r>
+            <a:endParaRPr lang="es-ES" b="1" dirty="0">
+              <a:latin typeface="+mn-lt"/>
+            </a:endParaRPr>
+          </a:p>
+        </p:txBody>
+      </p:sp>
+      <p:pic>
+        <p:nvPicPr>
+          <p:cNvPr id="5" name="Marcador de contenido 4">
+            <a:extLst>
+              <a:ext uri="{FF2B5EF4-FFF2-40B4-BE49-F238E27FC236}">
+                <a16:creationId xmlns:a16="http://schemas.microsoft.com/office/drawing/2014/main" id="{9F8CF8DC-1CB4-481E-AA9B-4907EBF4F4FF}"/>
+              </a:ext>
+            </a:extLst>
+          </p:cNvPr>
+          <p:cNvPicPr>
+            <a:picLocks noGrp="1" noChangeAspect="1"/>
+          </p:cNvPicPr>
+          <p:nvPr>
+            <p:ph idx="1"/>
+          </p:nvPr>
+        </p:nvPicPr>
+        <p:blipFill>
+          <a:blip r:embed="rId2">
+            <a:extLst>
+              <a:ext uri="{28A0092B-C50C-407E-A947-70E740481C1C}">
+                <a14:useLocalDpi xmlns:a14="http://schemas.microsoft.com/office/drawing/2010/main" val="0"/>
+              </a:ext>
+            </a:extLst>
+          </a:blip>
+          <a:stretch>
+            <a:fillRect/>
+          </a:stretch>
+        </p:blipFill>
+        <p:spPr>
+          <a:xfrm>
+            <a:off x="1298917" y="1307564"/>
+            <a:ext cx="4797083" cy="5550436"/>
+          </a:xfrm>
+        </p:spPr>
+      </p:pic>
+      <p:pic>
+        <p:nvPicPr>
+          <p:cNvPr id="7" name="Imagen 6">
+            <a:extLst>
+              <a:ext uri="{FF2B5EF4-FFF2-40B4-BE49-F238E27FC236}">
+                <a16:creationId xmlns:a16="http://schemas.microsoft.com/office/drawing/2014/main" id="{89EF15B2-2399-4CC4-85DB-22BA92FDF680}"/>
+              </a:ext>
+            </a:extLst>
+          </p:cNvPr>
+          <p:cNvPicPr>
+            <a:picLocks noChangeAspect="1"/>
+          </p:cNvPicPr>
+          <p:nvPr/>
+        </p:nvPicPr>
+        <p:blipFill>
+          <a:blip r:embed="rId3">
+            <a:extLst>
+              <a:ext uri="{28A0092B-C50C-407E-A947-70E740481C1C}">
+                <a14:useLocalDpi xmlns:a14="http://schemas.microsoft.com/office/drawing/2010/main" val="0"/>
+              </a:ext>
+            </a:extLst>
+          </a:blip>
+          <a:stretch>
+            <a:fillRect/>
+          </a:stretch>
+        </p:blipFill>
+        <p:spPr>
+          <a:xfrm>
+            <a:off x="6096000" y="1307564"/>
+            <a:ext cx="4465983" cy="5548957"/>
+          </a:xfrm>
+          <a:prstGeom prst="rect">
+            <a:avLst/>
+          </a:prstGeom>
+        </p:spPr>
+      </p:pic>
+    </p:spTree>
+    <p:extLst>
+      <p:ext uri="{BB962C8B-B14F-4D97-AF65-F5344CB8AC3E}">
+        <p14:creationId xmlns:p14="http://schemas.microsoft.com/office/powerpoint/2010/main" val="2539464104"/>
+      </p:ext>
+    </p:extLst>
+  </p:cSld>
+  <p:clrMapOvr>
+    <a:masterClrMapping/>
+  </p:clrMapOvr>
+</p:sld>
+</file>
+
 <file path=ppt/slides/slide3.xml><?xml version="1.0" encoding="utf-8"?>
 <p:sld xmlns:a="http://schemas.openxmlformats.org/drawingml/2006/main" xmlns:r="http://schemas.openxmlformats.org/officeDocument/2006/relationships" xmlns:p="http://schemas.openxmlformats.org/presentationml/2006/main">
   <p:cSld>

--- a/MONEY MANAGER.pptx
+++ b/MONEY MANAGER.pptx
@@ -3967,10 +3967,10 @@
       </p:sp>
       <p:pic>
         <p:nvPicPr>
-          <p:cNvPr id="5" name="Marcador de contenido 4">
-            <a:extLst>
-              <a:ext uri="{FF2B5EF4-FFF2-40B4-BE49-F238E27FC236}">
-                <a16:creationId xmlns:a16="http://schemas.microsoft.com/office/drawing/2014/main" id="{69F27802-5C9A-4CE0-A848-02664DCAB693}"/>
+          <p:cNvPr id="7" name="Marcador de contenido 6">
+            <a:extLst>
+              <a:ext uri="{FF2B5EF4-FFF2-40B4-BE49-F238E27FC236}">
+                <a16:creationId xmlns:a16="http://schemas.microsoft.com/office/drawing/2014/main" id="{5BE0DAD2-48F9-4364-870A-E0367495C0BD}"/>
               </a:ext>
             </a:extLst>
           </p:cNvPr>
@@ -3995,8 +3995,8 @@
         </p:blipFill>
         <p:spPr>
           <a:xfrm>
-            <a:off x="2534130" y="1690688"/>
-            <a:ext cx="7123739" cy="5037480"/>
+            <a:off x="1866396" y="1428411"/>
+            <a:ext cx="8459208" cy="5429589"/>
           </a:xfrm>
         </p:spPr>
       </p:pic>
@@ -4440,31 +4440,77 @@
           </a:p>
         </p:txBody>
       </p:sp>
-      <p:sp>
-        <p:nvSpPr>
-          <p:cNvPr id="3" name="Marcador de contenido 2">
-            <a:extLst>
-              <a:ext uri="{FF2B5EF4-FFF2-40B4-BE49-F238E27FC236}">
-                <a16:creationId xmlns:a16="http://schemas.microsoft.com/office/drawing/2014/main" id="{A3670A90-39D3-4F8C-85D2-ED497923855E}"/>
-              </a:ext>
-            </a:extLst>
-          </p:cNvPr>
-          <p:cNvSpPr>
-            <a:spLocks noGrp="1"/>
-          </p:cNvSpPr>
+      <p:pic>
+        <p:nvPicPr>
+          <p:cNvPr id="5" name="Marcador de contenido 4">
+            <a:extLst>
+              <a:ext uri="{FF2B5EF4-FFF2-40B4-BE49-F238E27FC236}">
+                <a16:creationId xmlns:a16="http://schemas.microsoft.com/office/drawing/2014/main" id="{C4CD2AC0-F172-47E0-9B05-1834C263173D}"/>
+              </a:ext>
+            </a:extLst>
+          </p:cNvPr>
+          <p:cNvPicPr>
+            <a:picLocks noGrp="1" noChangeAspect="1"/>
+          </p:cNvPicPr>
           <p:nvPr>
             <p:ph idx="1"/>
           </p:nvPr>
-        </p:nvSpPr>
-        <p:spPr/>
-        <p:txBody>
-          <a:bodyPr/>
-          <a:lstStyle/>
-          <a:p>
-            <a:endParaRPr lang="es-ES"/>
-          </a:p>
-        </p:txBody>
-      </p:sp>
+        </p:nvPicPr>
+        <p:blipFill>
+          <a:blip r:embed="rId2">
+            <a:extLst>
+              <a:ext uri="{28A0092B-C50C-407E-A947-70E740481C1C}">
+                <a14:useLocalDpi xmlns:a14="http://schemas.microsoft.com/office/drawing/2010/main" val="0"/>
+              </a:ext>
+            </a:extLst>
+          </a:blip>
+          <a:stretch>
+            <a:fillRect/>
+          </a:stretch>
+        </p:blipFill>
+        <p:spPr>
+          <a:xfrm>
+            <a:off x="1284849" y="1390046"/>
+            <a:ext cx="4811151" cy="5327862"/>
+          </a:xfrm>
+        </p:spPr>
+      </p:pic>
+      <p:pic>
+        <p:nvPicPr>
+          <p:cNvPr id="7" name="Imagen 6">
+            <a:extLst>
+              <a:ext uri="{FF2B5EF4-FFF2-40B4-BE49-F238E27FC236}">
+                <a16:creationId xmlns:a16="http://schemas.microsoft.com/office/drawing/2014/main" id="{DDE6B5EA-BF3A-4895-9139-92ED7391CA2A}"/>
+              </a:ext>
+            </a:extLst>
+          </p:cNvPr>
+          <p:cNvPicPr>
+            <a:picLocks noChangeAspect="1"/>
+          </p:cNvPicPr>
+          <p:nvPr/>
+        </p:nvPicPr>
+        <p:blipFill>
+          <a:blip r:embed="rId3">
+            <a:extLst>
+              <a:ext uri="{28A0092B-C50C-407E-A947-70E740481C1C}">
+                <a14:useLocalDpi xmlns:a14="http://schemas.microsoft.com/office/drawing/2010/main" val="0"/>
+              </a:ext>
+            </a:extLst>
+          </a:blip>
+          <a:stretch>
+            <a:fillRect/>
+          </a:stretch>
+        </p:blipFill>
+        <p:spPr>
+          <a:xfrm>
+            <a:off x="6096000" y="1390046"/>
+            <a:ext cx="5478194" cy="5331830"/>
+          </a:xfrm>
+          <a:prstGeom prst="rect">
+            <a:avLst/>
+          </a:prstGeom>
+        </p:spPr>
+      </p:pic>
     </p:spTree>
     <p:extLst>
       <p:ext uri="{BB962C8B-B14F-4D97-AF65-F5344CB8AC3E}">

--- a/MONEY MANAGER.pptx
+++ b/MONEY MANAGER.pptx
@@ -16,15 +16,15 @@
     <p:sldId id="264" r:id="rId10"/>
     <p:sldId id="259" r:id="rId11"/>
     <p:sldId id="265" r:id="rId12"/>
-    <p:sldId id="268" r:id="rId13"/>
-    <p:sldId id="269" r:id="rId14"/>
-    <p:sldId id="267" r:id="rId15"/>
-    <p:sldId id="270" r:id="rId16"/>
-    <p:sldId id="271" r:id="rId17"/>
-    <p:sldId id="272" r:id="rId18"/>
-    <p:sldId id="273" r:id="rId19"/>
-    <p:sldId id="274" r:id="rId20"/>
-    <p:sldId id="275" r:id="rId21"/>
+    <p:sldId id="267" r:id="rId13"/>
+    <p:sldId id="268" r:id="rId14"/>
+    <p:sldId id="270" r:id="rId15"/>
+    <p:sldId id="271" r:id="rId16"/>
+    <p:sldId id="272" r:id="rId17"/>
+    <p:sldId id="273" r:id="rId18"/>
+    <p:sldId id="274" r:id="rId19"/>
+    <p:sldId id="275" r:id="rId20"/>
+    <p:sldId id="276" r:id="rId21"/>
   </p:sldIdLst>
   <p:sldSz cx="12192000" cy="6858000"/>
   <p:notesSz cx="6858000" cy="9144000"/>
@@ -3750,7 +3750,7 @@
           <p:cNvPr id="2" name="Título 1">
             <a:extLst>
               <a:ext uri="{FF2B5EF4-FFF2-40B4-BE49-F238E27FC236}">
-                <a16:creationId xmlns:a16="http://schemas.microsoft.com/office/drawing/2014/main" id="{58547D21-4EAB-46A3-823A-96A5A9AF30E8}"/>
+                <a16:creationId xmlns:a16="http://schemas.microsoft.com/office/drawing/2014/main" id="{3AE96B8A-9606-4E14-95A0-CED02AE59E21}"/>
               </a:ext>
             </a:extLst>
           </p:cNvPr>
@@ -3770,17 +3770,17 @@
               <a:rPr lang="es-ES" b="1" dirty="0">
                 <a:latin typeface="+mn-lt"/>
               </a:rPr>
-              <a:t>Diagramas de secuencia (I)</a:t>
+              <a:t>Diagrama de clases</a:t>
             </a:r>
           </a:p>
         </p:txBody>
       </p:sp>
       <p:pic>
         <p:nvPicPr>
-          <p:cNvPr id="5" name="Marcador de contenido 4">
-            <a:extLst>
-              <a:ext uri="{FF2B5EF4-FFF2-40B4-BE49-F238E27FC236}">
-                <a16:creationId xmlns:a16="http://schemas.microsoft.com/office/drawing/2014/main" id="{A02899DF-74EF-4198-9979-3D5C1B206C25}"/>
+          <p:cNvPr id="7" name="Marcador de contenido 6">
+            <a:extLst>
+              <a:ext uri="{FF2B5EF4-FFF2-40B4-BE49-F238E27FC236}">
+                <a16:creationId xmlns:a16="http://schemas.microsoft.com/office/drawing/2014/main" id="{5BE0DAD2-48F9-4364-870A-E0367495C0BD}"/>
               </a:ext>
             </a:extLst>
           </p:cNvPr>
@@ -3805,15 +3805,15 @@
         </p:blipFill>
         <p:spPr>
           <a:xfrm>
-            <a:off x="1739140" y="1690688"/>
-            <a:ext cx="8713719" cy="4899075"/>
+            <a:off x="1866396" y="1428411"/>
+            <a:ext cx="8459208" cy="5429589"/>
           </a:xfrm>
         </p:spPr>
       </p:pic>
     </p:spTree>
     <p:extLst>
       <p:ext uri="{BB962C8B-B14F-4D97-AF65-F5344CB8AC3E}">
-        <p14:creationId xmlns:p14="http://schemas.microsoft.com/office/powerpoint/2010/main" val="3497985827"/>
+        <p14:creationId xmlns:p14="http://schemas.microsoft.com/office/powerpoint/2010/main" val="3952030159"/>
       </p:ext>
     </p:extLst>
   </p:cSld>
@@ -3865,17 +3865,17 @@
               <a:rPr lang="es-ES" b="1" dirty="0">
                 <a:latin typeface="+mn-lt"/>
               </a:rPr>
-              <a:t>Diagramas de secuencia (II)</a:t>
+              <a:t>Diagramas de secuencia</a:t>
             </a:r>
           </a:p>
         </p:txBody>
       </p:sp>
       <p:pic>
         <p:nvPicPr>
-          <p:cNvPr id="5" name="Marcador de contenido 4">
-            <a:extLst>
-              <a:ext uri="{FF2B5EF4-FFF2-40B4-BE49-F238E27FC236}">
-                <a16:creationId xmlns:a16="http://schemas.microsoft.com/office/drawing/2014/main" id="{A02899DF-74EF-4198-9979-3D5C1B206C25}"/>
+          <p:cNvPr id="11" name="Marcador de contenido 10">
+            <a:extLst>
+              <a:ext uri="{FF2B5EF4-FFF2-40B4-BE49-F238E27FC236}">
+                <a16:creationId xmlns:a16="http://schemas.microsoft.com/office/drawing/2014/main" id="{6ECB66DA-8F10-4C81-90A2-55C4437BE63E}"/>
               </a:ext>
             </a:extLst>
           </p:cNvPr>
@@ -3900,15 +3900,15 @@
         </p:blipFill>
         <p:spPr>
           <a:xfrm>
-            <a:off x="1739140" y="1690688"/>
-            <a:ext cx="8713719" cy="4899074"/>
+            <a:off x="3560631" y="1350715"/>
+            <a:ext cx="5070738" cy="5374888"/>
           </a:xfrm>
         </p:spPr>
       </p:pic>
     </p:spTree>
     <p:extLst>
       <p:ext uri="{BB962C8B-B14F-4D97-AF65-F5344CB8AC3E}">
-        <p14:creationId xmlns:p14="http://schemas.microsoft.com/office/powerpoint/2010/main" val="356858221"/>
+        <p14:creationId xmlns:p14="http://schemas.microsoft.com/office/powerpoint/2010/main" val="3497985827"/>
       </p:ext>
     </p:extLst>
   </p:cSld>
@@ -3940,7 +3940,7 @@
           <p:cNvPr id="2" name="Título 1">
             <a:extLst>
               <a:ext uri="{FF2B5EF4-FFF2-40B4-BE49-F238E27FC236}">
-                <a16:creationId xmlns:a16="http://schemas.microsoft.com/office/drawing/2014/main" id="{3AE96B8A-9606-4E14-95A0-CED02AE59E21}"/>
+                <a16:creationId xmlns:a16="http://schemas.microsoft.com/office/drawing/2014/main" id="{C48C0C5D-C577-4633-BE2E-6EEB4681B8AC}"/>
               </a:ext>
             </a:extLst>
           </p:cNvPr>
@@ -3956,21 +3956,27 @@
           <a:bodyPr/>
           <a:lstStyle/>
           <a:p>
+            <a:r>
+              <a:rPr lang="es-ES" b="1">
+                <a:latin typeface="+mn-lt"/>
+              </a:rPr>
+              <a:t>Arquitectura de </a:t>
+            </a:r>
             <a:r>
               <a:rPr lang="es-ES" b="1" dirty="0">
                 <a:latin typeface="+mn-lt"/>
               </a:rPr>
-              <a:t>Diagrama de clases</a:t>
+              <a:t>Motivación del Sistema</a:t>
             </a:r>
           </a:p>
         </p:txBody>
       </p:sp>
       <p:pic>
         <p:nvPicPr>
-          <p:cNvPr id="7" name="Marcador de contenido 6">
-            <a:extLst>
-              <a:ext uri="{FF2B5EF4-FFF2-40B4-BE49-F238E27FC236}">
-                <a16:creationId xmlns:a16="http://schemas.microsoft.com/office/drawing/2014/main" id="{5BE0DAD2-48F9-4364-870A-E0367495C0BD}"/>
+          <p:cNvPr id="5" name="Marcador de contenido 4">
+            <a:extLst>
+              <a:ext uri="{FF2B5EF4-FFF2-40B4-BE49-F238E27FC236}">
+                <a16:creationId xmlns:a16="http://schemas.microsoft.com/office/drawing/2014/main" id="{C3154E7D-E8E0-4298-859C-BFDD0527CED6}"/>
               </a:ext>
             </a:extLst>
           </p:cNvPr>
@@ -3995,15 +4001,15 @@
         </p:blipFill>
         <p:spPr>
           <a:xfrm>
-            <a:off x="1866396" y="1428411"/>
-            <a:ext cx="8459208" cy="5429589"/>
+            <a:off x="838200" y="1836317"/>
+            <a:ext cx="10515600" cy="4329953"/>
           </a:xfrm>
         </p:spPr>
       </p:pic>
     </p:spTree>
     <p:extLst>
       <p:ext uri="{BB962C8B-B14F-4D97-AF65-F5344CB8AC3E}">
-        <p14:creationId xmlns:p14="http://schemas.microsoft.com/office/powerpoint/2010/main" val="3952030159"/>
+        <p14:creationId xmlns:p14="http://schemas.microsoft.com/office/powerpoint/2010/main" val="3073579442"/>
       </p:ext>
     </p:extLst>
   </p:cSld>
@@ -4055,17 +4061,17 @@
               <a:rPr lang="es-ES" b="1" dirty="0">
                 <a:latin typeface="+mn-lt"/>
               </a:rPr>
-              <a:t>Arquitectura (I)</a:t>
+              <a:t>Arquitectura de Requisitos</a:t>
             </a:r>
           </a:p>
         </p:txBody>
       </p:sp>
       <p:pic>
         <p:nvPicPr>
-          <p:cNvPr id="5" name="Marcador de contenido 4">
-            <a:extLst>
-              <a:ext uri="{FF2B5EF4-FFF2-40B4-BE49-F238E27FC236}">
-                <a16:creationId xmlns:a16="http://schemas.microsoft.com/office/drawing/2014/main" id="{C3154E7D-E8E0-4298-859C-BFDD0527CED6}"/>
+          <p:cNvPr id="9" name="Marcador de contenido 8">
+            <a:extLst>
+              <a:ext uri="{FF2B5EF4-FFF2-40B4-BE49-F238E27FC236}">
+                <a16:creationId xmlns:a16="http://schemas.microsoft.com/office/drawing/2014/main" id="{804EF94D-2DA4-432D-AADF-EC27551A10DB}"/>
               </a:ext>
             </a:extLst>
           </p:cNvPr>
@@ -4090,15 +4096,15 @@
         </p:blipFill>
         <p:spPr>
           <a:xfrm>
-            <a:off x="838200" y="1836317"/>
-            <a:ext cx="10515600" cy="4329953"/>
+            <a:off x="1621511" y="1825625"/>
+            <a:ext cx="8948978" cy="4351338"/>
           </a:xfrm>
         </p:spPr>
       </p:pic>
     </p:spTree>
     <p:extLst>
       <p:ext uri="{BB962C8B-B14F-4D97-AF65-F5344CB8AC3E}">
-        <p14:creationId xmlns:p14="http://schemas.microsoft.com/office/powerpoint/2010/main" val="3073579442"/>
+        <p14:creationId xmlns:p14="http://schemas.microsoft.com/office/powerpoint/2010/main" val="3603200444"/>
       </p:ext>
     </p:extLst>
   </p:cSld>
@@ -4150,17 +4156,17 @@
               <a:rPr lang="es-ES" b="1" dirty="0">
                 <a:latin typeface="+mn-lt"/>
               </a:rPr>
-              <a:t>Arquitectura (II)</a:t>
+              <a:t>Arquitectura de Procesos</a:t>
             </a:r>
           </a:p>
         </p:txBody>
       </p:sp>
       <p:pic>
         <p:nvPicPr>
-          <p:cNvPr id="9" name="Marcador de contenido 8">
-            <a:extLst>
-              <a:ext uri="{FF2B5EF4-FFF2-40B4-BE49-F238E27FC236}">
-                <a16:creationId xmlns:a16="http://schemas.microsoft.com/office/drawing/2014/main" id="{804EF94D-2DA4-432D-AADF-EC27551A10DB}"/>
+          <p:cNvPr id="5" name="Marcador de contenido 4">
+            <a:extLst>
+              <a:ext uri="{FF2B5EF4-FFF2-40B4-BE49-F238E27FC236}">
+                <a16:creationId xmlns:a16="http://schemas.microsoft.com/office/drawing/2014/main" id="{EBD4D63A-1C4D-46CB-ADD7-2C82FA519FA7}"/>
               </a:ext>
             </a:extLst>
           </p:cNvPr>
@@ -4185,15 +4191,15 @@
         </p:blipFill>
         <p:spPr>
           <a:xfrm>
-            <a:off x="1621511" y="1825625"/>
-            <a:ext cx="8948978" cy="4351338"/>
+            <a:off x="1032140" y="1825625"/>
+            <a:ext cx="10127720" cy="4351338"/>
           </a:xfrm>
         </p:spPr>
       </p:pic>
     </p:spTree>
     <p:extLst>
       <p:ext uri="{BB962C8B-B14F-4D97-AF65-F5344CB8AC3E}">
-        <p14:creationId xmlns:p14="http://schemas.microsoft.com/office/powerpoint/2010/main" val="3603200444"/>
+        <p14:creationId xmlns:p14="http://schemas.microsoft.com/office/powerpoint/2010/main" val="2825554059"/>
       </p:ext>
     </p:extLst>
   </p:cSld>
@@ -4245,7 +4251,7 @@
               <a:rPr lang="es-ES" b="1" dirty="0">
                 <a:latin typeface="+mn-lt"/>
               </a:rPr>
-              <a:t>Arquitectura (III)</a:t>
+              <a:t>Arquitectura Dinámica</a:t>
             </a:r>
           </a:p>
         </p:txBody>
@@ -4255,7 +4261,7 @@
           <p:cNvPr id="5" name="Marcador de contenido 4">
             <a:extLst>
               <a:ext uri="{FF2B5EF4-FFF2-40B4-BE49-F238E27FC236}">
-                <a16:creationId xmlns:a16="http://schemas.microsoft.com/office/drawing/2014/main" id="{EBD4D63A-1C4D-46CB-ADD7-2C82FA519FA7}"/>
+                <a16:creationId xmlns:a16="http://schemas.microsoft.com/office/drawing/2014/main" id="{1570A01E-4639-44B8-8FCC-532F413192E5}"/>
               </a:ext>
             </a:extLst>
           </p:cNvPr>
@@ -4280,15 +4286,15 @@
         </p:blipFill>
         <p:spPr>
           <a:xfrm>
-            <a:off x="1032140" y="1825625"/>
-            <a:ext cx="10127720" cy="4351338"/>
+            <a:off x="2225885" y="1825625"/>
+            <a:ext cx="7740229" cy="4351338"/>
           </a:xfrm>
         </p:spPr>
       </p:pic>
     </p:spTree>
     <p:extLst>
       <p:ext uri="{BB962C8B-B14F-4D97-AF65-F5344CB8AC3E}">
-        <p14:creationId xmlns:p14="http://schemas.microsoft.com/office/powerpoint/2010/main" val="2825554059"/>
+        <p14:creationId xmlns:p14="http://schemas.microsoft.com/office/powerpoint/2010/main" val="1289963116"/>
       </p:ext>
     </p:extLst>
   </p:cSld>
@@ -4320,7 +4326,7 @@
           <p:cNvPr id="2" name="Título 1">
             <a:extLst>
               <a:ext uri="{FF2B5EF4-FFF2-40B4-BE49-F238E27FC236}">
-                <a16:creationId xmlns:a16="http://schemas.microsoft.com/office/drawing/2014/main" id="{C48C0C5D-C577-4633-BE2E-6EEB4681B8AC}"/>
+                <a16:creationId xmlns:a16="http://schemas.microsoft.com/office/drawing/2014/main" id="{AE9B2E2E-9A92-4BC7-8EA6-D287FE5F07DC}"/>
               </a:ext>
             </a:extLst>
           </p:cNvPr>
@@ -4340,7 +4346,7 @@
               <a:rPr lang="es-ES" b="1" dirty="0">
                 <a:latin typeface="+mn-lt"/>
               </a:rPr>
-              <a:t>Arquitectura (IV)</a:t>
+              <a:t>Patrón</a:t>
             </a:r>
           </a:p>
         </p:txBody>
@@ -4350,7 +4356,7 @@
           <p:cNvPr id="5" name="Marcador de contenido 4">
             <a:extLst>
               <a:ext uri="{FF2B5EF4-FFF2-40B4-BE49-F238E27FC236}">
-                <a16:creationId xmlns:a16="http://schemas.microsoft.com/office/drawing/2014/main" id="{1570A01E-4639-44B8-8FCC-532F413192E5}"/>
+                <a16:creationId xmlns:a16="http://schemas.microsoft.com/office/drawing/2014/main" id="{C4CD2AC0-F172-47E0-9B05-1834C263173D}"/>
               </a:ext>
             </a:extLst>
           </p:cNvPr>
@@ -4375,15 +4381,51 @@
         </p:blipFill>
         <p:spPr>
           <a:xfrm>
-            <a:off x="2225885" y="1825625"/>
-            <a:ext cx="7740229" cy="4351338"/>
+            <a:off x="1284849" y="1390046"/>
+            <a:ext cx="4811151" cy="5327862"/>
           </a:xfrm>
+        </p:spPr>
+      </p:pic>
+      <p:pic>
+        <p:nvPicPr>
+          <p:cNvPr id="7" name="Imagen 6">
+            <a:extLst>
+              <a:ext uri="{FF2B5EF4-FFF2-40B4-BE49-F238E27FC236}">
+                <a16:creationId xmlns:a16="http://schemas.microsoft.com/office/drawing/2014/main" id="{DDE6B5EA-BF3A-4895-9139-92ED7391CA2A}"/>
+              </a:ext>
+            </a:extLst>
+          </p:cNvPr>
+          <p:cNvPicPr>
+            <a:picLocks noChangeAspect="1"/>
+          </p:cNvPicPr>
+          <p:nvPr/>
+        </p:nvPicPr>
+        <p:blipFill>
+          <a:blip r:embed="rId3">
+            <a:extLst>
+              <a:ext uri="{28A0092B-C50C-407E-A947-70E740481C1C}">
+                <a14:useLocalDpi xmlns:a14="http://schemas.microsoft.com/office/drawing/2010/main" val="0"/>
+              </a:ext>
+            </a:extLst>
+          </a:blip>
+          <a:stretch>
+            <a:fillRect/>
+          </a:stretch>
+        </p:blipFill>
+        <p:spPr>
+          <a:xfrm>
+            <a:off x="6096000" y="1390046"/>
+            <a:ext cx="5478194" cy="5331830"/>
+          </a:xfrm>
+          <a:prstGeom prst="rect">
+            <a:avLst/>
+          </a:prstGeom>
         </p:spPr>
       </p:pic>
     </p:spTree>
     <p:extLst>
       <p:ext uri="{BB962C8B-B14F-4D97-AF65-F5344CB8AC3E}">
-        <p14:creationId xmlns:p14="http://schemas.microsoft.com/office/powerpoint/2010/main" val="1289963116"/>
+        <p14:creationId xmlns:p14="http://schemas.microsoft.com/office/powerpoint/2010/main" val="1708215773"/>
       </p:ext>
     </p:extLst>
   </p:cSld>
@@ -4415,7 +4457,7 @@
           <p:cNvPr id="2" name="Título 1">
             <a:extLst>
               <a:ext uri="{FF2B5EF4-FFF2-40B4-BE49-F238E27FC236}">
-                <a16:creationId xmlns:a16="http://schemas.microsoft.com/office/drawing/2014/main" id="{AE9B2E2E-9A92-4BC7-8EA6-D287FE5F07DC}"/>
+                <a16:creationId xmlns:a16="http://schemas.microsoft.com/office/drawing/2014/main" id="{228966E8-9C3D-4420-9369-B56741FE75F8}"/>
               </a:ext>
             </a:extLst>
           </p:cNvPr>
@@ -4432,11 +4474,14 @@
           <a:lstStyle/>
           <a:p>
             <a:r>
-              <a:rPr lang="es-ES" b="1" dirty="0">
+              <a:rPr lang="es-ES" b="1" dirty="0" err="1">
                 <a:latin typeface="+mn-lt"/>
               </a:rPr>
-              <a:t>Patrón</a:t>
-            </a:r>
+              <a:t>Testing</a:t>
+            </a:r>
+            <a:endParaRPr lang="es-ES" b="1" dirty="0">
+              <a:latin typeface="+mn-lt"/>
+            </a:endParaRPr>
           </a:p>
         </p:txBody>
       </p:sp>
@@ -4445,7 +4490,7 @@
           <p:cNvPr id="5" name="Marcador de contenido 4">
             <a:extLst>
               <a:ext uri="{FF2B5EF4-FFF2-40B4-BE49-F238E27FC236}">
-                <a16:creationId xmlns:a16="http://schemas.microsoft.com/office/drawing/2014/main" id="{C4CD2AC0-F172-47E0-9B05-1834C263173D}"/>
+                <a16:creationId xmlns:a16="http://schemas.microsoft.com/office/drawing/2014/main" id="{9F8CF8DC-1CB4-481E-AA9B-4907EBF4F4FF}"/>
               </a:ext>
             </a:extLst>
           </p:cNvPr>
@@ -4470,8 +4515,8 @@
         </p:blipFill>
         <p:spPr>
           <a:xfrm>
-            <a:off x="1284849" y="1390046"/>
-            <a:ext cx="4811151" cy="5327862"/>
+            <a:off x="1298917" y="1307564"/>
+            <a:ext cx="4797083" cy="5550436"/>
           </a:xfrm>
         </p:spPr>
       </p:pic>
@@ -4480,7 +4525,7 @@
           <p:cNvPr id="7" name="Imagen 6">
             <a:extLst>
               <a:ext uri="{FF2B5EF4-FFF2-40B4-BE49-F238E27FC236}">
-                <a16:creationId xmlns:a16="http://schemas.microsoft.com/office/drawing/2014/main" id="{DDE6B5EA-BF3A-4895-9139-92ED7391CA2A}"/>
+                <a16:creationId xmlns:a16="http://schemas.microsoft.com/office/drawing/2014/main" id="{89EF15B2-2399-4CC4-85DB-22BA92FDF680}"/>
               </a:ext>
             </a:extLst>
           </p:cNvPr>
@@ -4503,8 +4548,8 @@
         </p:blipFill>
         <p:spPr>
           <a:xfrm>
-            <a:off x="6096000" y="1390046"/>
-            <a:ext cx="5478194" cy="5331830"/>
+            <a:off x="6096000" y="1307564"/>
+            <a:ext cx="4465983" cy="5548957"/>
           </a:xfrm>
           <a:prstGeom prst="rect">
             <a:avLst/>
@@ -4514,7 +4559,7 @@
     </p:spTree>
     <p:extLst>
       <p:ext uri="{BB962C8B-B14F-4D97-AF65-F5344CB8AC3E}">
-        <p14:creationId xmlns:p14="http://schemas.microsoft.com/office/powerpoint/2010/main" val="1708215773"/>
+        <p14:creationId xmlns:p14="http://schemas.microsoft.com/office/powerpoint/2010/main" val="2539464104"/>
       </p:ext>
     </p:extLst>
   </p:cSld>
@@ -4721,7 +4766,7 @@
           <p:cNvPr id="2" name="Título 1">
             <a:extLst>
               <a:ext uri="{FF2B5EF4-FFF2-40B4-BE49-F238E27FC236}">
-                <a16:creationId xmlns:a16="http://schemas.microsoft.com/office/drawing/2014/main" id="{228966E8-9C3D-4420-9369-B56741FE75F8}"/>
+                <a16:creationId xmlns:a16="http://schemas.microsoft.com/office/drawing/2014/main" id="{1F52E57E-A2A2-404C-B36C-1D9506A58B73}"/>
               </a:ext>
             </a:extLst>
           </p:cNvPr>
@@ -4732,98 +4777,31 @@
             <p:ph type="title"/>
           </p:nvPr>
         </p:nvSpPr>
-        <p:spPr/>
-        <p:txBody>
-          <a:bodyPr/>
-          <a:lstStyle/>
-          <a:p>
-            <a:r>
-              <a:rPr lang="es-ES" b="1" dirty="0" err="1">
+        <p:spPr>
+          <a:xfrm>
+            <a:off x="5083865" y="2766218"/>
+            <a:ext cx="2024270" cy="1325563"/>
+          </a:xfrm>
+        </p:spPr>
+        <p:txBody>
+          <a:bodyPr>
+            <a:noAutofit/>
+          </a:bodyPr>
+          <a:lstStyle/>
+          <a:p>
+            <a:r>
+              <a:rPr lang="es-ES" sz="9600" b="1" dirty="0">
                 <a:latin typeface="+mn-lt"/>
               </a:rPr>
-              <a:t>Testing</a:t>
-            </a:r>
-            <a:endParaRPr lang="es-ES" b="1" dirty="0">
-              <a:latin typeface="+mn-lt"/>
-            </a:endParaRPr>
-          </a:p>
-        </p:txBody>
-      </p:sp>
-      <p:pic>
-        <p:nvPicPr>
-          <p:cNvPr id="5" name="Marcador de contenido 4">
-            <a:extLst>
-              <a:ext uri="{FF2B5EF4-FFF2-40B4-BE49-F238E27FC236}">
-                <a16:creationId xmlns:a16="http://schemas.microsoft.com/office/drawing/2014/main" id="{9F8CF8DC-1CB4-481E-AA9B-4907EBF4F4FF}"/>
-              </a:ext>
-            </a:extLst>
-          </p:cNvPr>
-          <p:cNvPicPr>
-            <a:picLocks noGrp="1" noChangeAspect="1"/>
-          </p:cNvPicPr>
-          <p:nvPr>
-            <p:ph idx="1"/>
-          </p:nvPr>
-        </p:nvPicPr>
-        <p:blipFill>
-          <a:blip r:embed="rId2">
-            <a:extLst>
-              <a:ext uri="{28A0092B-C50C-407E-A947-70E740481C1C}">
-                <a14:useLocalDpi xmlns:a14="http://schemas.microsoft.com/office/drawing/2010/main" val="0"/>
-              </a:ext>
-            </a:extLst>
-          </a:blip>
-          <a:stretch>
-            <a:fillRect/>
-          </a:stretch>
-        </p:blipFill>
-        <p:spPr>
-          <a:xfrm>
-            <a:off x="1298917" y="1307564"/>
-            <a:ext cx="4797083" cy="5550436"/>
-          </a:xfrm>
-        </p:spPr>
-      </p:pic>
-      <p:pic>
-        <p:nvPicPr>
-          <p:cNvPr id="7" name="Imagen 6">
-            <a:extLst>
-              <a:ext uri="{FF2B5EF4-FFF2-40B4-BE49-F238E27FC236}">
-                <a16:creationId xmlns:a16="http://schemas.microsoft.com/office/drawing/2014/main" id="{89EF15B2-2399-4CC4-85DB-22BA92FDF680}"/>
-              </a:ext>
-            </a:extLst>
-          </p:cNvPr>
-          <p:cNvPicPr>
-            <a:picLocks noChangeAspect="1"/>
-          </p:cNvPicPr>
-          <p:nvPr/>
-        </p:nvPicPr>
-        <p:blipFill>
-          <a:blip r:embed="rId3">
-            <a:extLst>
-              <a:ext uri="{28A0092B-C50C-407E-A947-70E740481C1C}">
-                <a14:useLocalDpi xmlns:a14="http://schemas.microsoft.com/office/drawing/2010/main" val="0"/>
-              </a:ext>
-            </a:extLst>
-          </a:blip>
-          <a:stretch>
-            <a:fillRect/>
-          </a:stretch>
-        </p:blipFill>
-        <p:spPr>
-          <a:xfrm>
-            <a:off x="6096000" y="1307564"/>
-            <a:ext cx="4465983" cy="5548957"/>
-          </a:xfrm>
-          <a:prstGeom prst="rect">
-            <a:avLst/>
-          </a:prstGeom>
-        </p:spPr>
-      </p:pic>
+              <a:t>FIN</a:t>
+            </a:r>
+          </a:p>
+        </p:txBody>
+      </p:sp>
     </p:spTree>
     <p:extLst>
       <p:ext uri="{BB962C8B-B14F-4D97-AF65-F5344CB8AC3E}">
-        <p14:creationId xmlns:p14="http://schemas.microsoft.com/office/powerpoint/2010/main" val="2539464104"/>
+        <p14:creationId xmlns:p14="http://schemas.microsoft.com/office/powerpoint/2010/main" val="3363817954"/>
       </p:ext>
     </p:extLst>
   </p:cSld>
